--- a/imagens/imagensCriadas/Apresentação1.pptx
+++ b/imagens/imagensCriadas/Apresentação1.pptx
@@ -6,6 +6,7 @@
   </p:sldMasterIdLst>
   <p:sldIdLst>
     <p:sldId id="256" r:id="rId3"/>
+    <p:sldId id="257" r:id="rId4"/>
   </p:sldIdLst>
   <p:sldSz cx="12192000" cy="6858000"/>
   <p:notesSz cx="12192000" cy="6858000"/>
@@ -4097,7 +4098,7 @@
           </p:nvCxnSpPr>
           <p:spPr bwMode="auto">
             <a:xfrm rot="0" flipH="0" flipV="1">
-              <a:off x="685931" y="405744"/>
+              <a:off x="685930" y="405744"/>
               <a:ext cx="389607" cy="297625"/>
             </a:xfrm>
             <a:prstGeom prst="line">
@@ -4139,7 +4140,7 @@
           </p:nvCxnSpPr>
           <p:spPr bwMode="auto">
             <a:xfrm rot="0" flipH="0" flipV="0">
-              <a:off x="685931" y="703368"/>
+              <a:off x="685930" y="703368"/>
               <a:ext cx="389607" cy="297624"/>
             </a:xfrm>
             <a:prstGeom prst="line">
@@ -4180,7 +4181,7 @@
             <p:nvPr isPhoto="0" userDrawn="0"/>
           </p:nvCxnSpPr>
           <p:spPr bwMode="auto">
-            <a:xfrm rot="5399978" flipH="0" flipV="1">
+            <a:xfrm rot="5399977" flipH="0" flipV="1">
               <a:off x="434297" y="955002"/>
               <a:ext cx="892874" cy="389607"/>
             </a:xfrm>
@@ -4222,7 +4223,7 @@
             <p:nvPr isPhoto="0" userDrawn="0"/>
           </p:nvCxnSpPr>
           <p:spPr bwMode="auto">
-            <a:xfrm rot="5399978" flipH="0" flipV="1">
+            <a:xfrm rot="5399977" flipH="0" flipV="1">
               <a:off x="136671" y="1252626"/>
               <a:ext cx="1488124" cy="389607"/>
             </a:xfrm>
@@ -4600,7 +4601,7 @@
             <p:nvPr isPhoto="0" userDrawn="0"/>
           </p:nvCxnSpPr>
           <p:spPr bwMode="auto">
-            <a:xfrm rot="10799990" flipH="0" flipV="0">
+            <a:xfrm rot="10799989" flipH="0" flipV="0">
               <a:off x="1373163" y="405744"/>
               <a:ext cx="389607" cy="0"/>
             </a:xfrm>
@@ -4642,7 +4643,7 @@
             <p:nvPr isPhoto="0" userDrawn="0"/>
           </p:nvCxnSpPr>
           <p:spPr bwMode="auto">
-            <a:xfrm rot="10799990" flipH="0" flipV="0">
+            <a:xfrm rot="10799989" flipH="0" flipV="0">
               <a:off x="1373163" y="405743"/>
               <a:ext cx="389607" cy="595249"/>
             </a:xfrm>
@@ -4684,7 +4685,7 @@
             <p:nvPr isPhoto="0" userDrawn="0"/>
           </p:nvCxnSpPr>
           <p:spPr bwMode="auto">
-            <a:xfrm rot="10799990" flipH="0" flipV="0">
+            <a:xfrm rot="10799989" flipH="0" flipV="0">
               <a:off x="1373162" y="405743"/>
               <a:ext cx="389608" cy="1190499"/>
             </a:xfrm>
@@ -4726,7 +4727,7 @@
             <p:nvPr isPhoto="0" userDrawn="0"/>
           </p:nvCxnSpPr>
           <p:spPr bwMode="auto">
-            <a:xfrm rot="10799990" flipH="0" flipV="0">
+            <a:xfrm rot="10799989" flipH="0" flipV="0">
               <a:off x="1373162" y="405743"/>
               <a:ext cx="389608" cy="1785749"/>
             </a:xfrm>
@@ -4934,7 +4935,7 @@
             <p:nvPr isPhoto="0" userDrawn="0"/>
           </p:nvCxnSpPr>
           <p:spPr bwMode="auto">
-            <a:xfrm rot="5399978" flipH="0" flipV="0">
+            <a:xfrm rot="5399977" flipH="0" flipV="0">
               <a:off x="972716" y="806190"/>
               <a:ext cx="1190499" cy="389606"/>
             </a:xfrm>
@@ -5019,7 +5020,7 @@
           </p:nvCxnSpPr>
           <p:spPr bwMode="auto">
             <a:xfrm rot="16199969" flipH="0" flipV="1">
-              <a:off x="1567966" y="1401438"/>
+              <a:off x="1567966" y="1401437"/>
               <a:ext cx="0" cy="389608"/>
             </a:xfrm>
             <a:prstGeom prst="line">
@@ -5102,7 +5103,7 @@
             <p:nvPr isPhoto="0" userDrawn="0"/>
           </p:nvCxnSpPr>
           <p:spPr bwMode="auto">
-            <a:xfrm rot="10799990" flipH="0" flipV="1">
+            <a:xfrm rot="10799989" flipH="0" flipV="1">
               <a:off x="1373163" y="2191492"/>
               <a:ext cx="389606" cy="0"/>
             </a:xfrm>
@@ -5186,7 +5187,7 @@
             <p:nvPr isPhoto="0" userDrawn="0"/>
           </p:nvCxnSpPr>
           <p:spPr bwMode="auto">
-            <a:xfrm rot="5399978" flipH="0" flipV="0">
+            <a:xfrm rot="5399977" flipH="0" flipV="0">
               <a:off x="972717" y="1401440"/>
               <a:ext cx="1190498" cy="389605"/>
             </a:xfrm>
@@ -5228,7 +5229,7 @@
             <p:nvPr isPhoto="0" userDrawn="0"/>
           </p:nvCxnSpPr>
           <p:spPr bwMode="auto">
-            <a:xfrm rot="10799990" flipH="0" flipV="1">
+            <a:xfrm rot="10799989" flipH="0" flipV="1">
               <a:off x="1373163" y="405743"/>
               <a:ext cx="389606" cy="1785747"/>
             </a:xfrm>
@@ -5269,7 +5270,7 @@
             <p:nvPr isPhoto="0" userDrawn="0"/>
           </p:nvCxnSpPr>
           <p:spPr bwMode="auto">
-            <a:xfrm rot="10799990" flipH="0" flipV="0">
+            <a:xfrm rot="10799989" flipH="0" flipV="0">
               <a:off x="2060395" y="405743"/>
               <a:ext cx="389607" cy="0"/>
             </a:xfrm>
@@ -5310,7 +5311,7 @@
             <p:nvPr isPhoto="0" userDrawn="0"/>
           </p:nvCxnSpPr>
           <p:spPr bwMode="auto">
-            <a:xfrm rot="10799990" flipH="0" flipV="0">
+            <a:xfrm rot="10799989" flipH="0" flipV="0">
               <a:off x="2060395" y="405743"/>
               <a:ext cx="389607" cy="595248"/>
             </a:xfrm>
@@ -5351,7 +5352,7 @@
             <p:nvPr isPhoto="0" userDrawn="0"/>
           </p:nvCxnSpPr>
           <p:spPr bwMode="auto">
-            <a:xfrm rot="10799990" flipH="0" flipV="0">
+            <a:xfrm rot="10799989" flipH="0" flipV="0">
               <a:off x="2060395" y="405743"/>
               <a:ext cx="389608" cy="1190498"/>
             </a:xfrm>
@@ -5392,7 +5393,7 @@
             <p:nvPr isPhoto="0" userDrawn="0"/>
           </p:nvCxnSpPr>
           <p:spPr bwMode="auto">
-            <a:xfrm rot="10799990" flipH="0" flipV="0">
+            <a:xfrm rot="10799989" flipH="0" flipV="0">
               <a:off x="2060395" y="405743"/>
               <a:ext cx="389608" cy="1785748"/>
             </a:xfrm>
@@ -5434,7 +5435,7 @@
           </p:nvCxnSpPr>
           <p:spPr bwMode="auto">
             <a:xfrm rot="16199969" flipH="0" flipV="1">
-              <a:off x="1659950" y="1401438"/>
+              <a:off x="1659950" y="1401437"/>
               <a:ext cx="1190498" cy="389606"/>
             </a:xfrm>
             <a:prstGeom prst="line">
@@ -5597,7 +5598,7 @@
             <p:nvPr isPhoto="0" userDrawn="0"/>
           </p:nvCxnSpPr>
           <p:spPr bwMode="auto">
-            <a:xfrm rot="5399978" flipH="0" flipV="0">
+            <a:xfrm rot="5399977" flipH="0" flipV="0">
               <a:off x="1659948" y="806189"/>
               <a:ext cx="1190499" cy="389606"/>
             </a:xfrm>
@@ -5761,7 +5762,7 @@
             <p:nvPr isPhoto="0" userDrawn="0"/>
           </p:nvCxnSpPr>
           <p:spPr bwMode="auto">
-            <a:xfrm rot="10799990" flipH="0" flipV="1">
+            <a:xfrm rot="10799989" flipH="0" flipV="1">
               <a:off x="2060395" y="2191492"/>
               <a:ext cx="389605" cy="0"/>
             </a:xfrm>
@@ -5843,8 +5844,8 @@
             <p:nvPr isPhoto="0" userDrawn="0"/>
           </p:nvCxnSpPr>
           <p:spPr bwMode="auto">
-            <a:xfrm rot="5399978" flipH="0" flipV="0">
-              <a:off x="1659949" y="1401438"/>
+            <a:xfrm rot="5399977" flipH="0" flipV="0">
+              <a:off x="1659949" y="1401437"/>
               <a:ext cx="1190498" cy="389604"/>
             </a:xfrm>
             <a:prstGeom prst="line">
@@ -5884,8 +5885,8 @@
             <p:nvPr isPhoto="0" userDrawn="0"/>
           </p:nvCxnSpPr>
           <p:spPr bwMode="auto">
-            <a:xfrm rot="10799990" flipH="0" flipV="1">
-              <a:off x="2060395" y="405742"/>
+            <a:xfrm rot="10799989" flipH="0" flipV="1">
+              <a:off x="2060395" y="405741"/>
               <a:ext cx="389606" cy="1785747"/>
             </a:xfrm>
             <a:prstGeom prst="line">
@@ -5927,7 +5928,7 @@
             <p:nvPr isPhoto="0" userDrawn="0"/>
           </p:nvCxnSpPr>
           <p:spPr bwMode="auto">
-            <a:xfrm rot="10799990" flipH="0" flipV="0">
+            <a:xfrm rot="10799989" flipH="0" flipV="0">
               <a:off x="2757467" y="405744"/>
               <a:ext cx="392923" cy="595249"/>
             </a:xfrm>
@@ -5969,7 +5970,7 @@
             <p:nvPr isPhoto="0" userDrawn="0"/>
           </p:nvCxnSpPr>
           <p:spPr bwMode="auto">
-            <a:xfrm rot="10799990" flipH="0" flipV="0">
+            <a:xfrm rot="10799989" flipH="0" flipV="0">
               <a:off x="2757466" y="405743"/>
               <a:ext cx="392924" cy="1190499"/>
             </a:xfrm>
@@ -6053,7 +6054,7 @@
             <p:nvPr isPhoto="0" userDrawn="0"/>
           </p:nvCxnSpPr>
           <p:spPr bwMode="auto">
-            <a:xfrm rot="10799990" flipH="0" flipV="1">
+            <a:xfrm rot="10799989" flipH="0" flipV="1">
               <a:off x="2757467" y="1596242"/>
               <a:ext cx="392923" cy="0"/>
             </a:xfrm>
@@ -6095,7 +6096,7 @@
             <p:nvPr isPhoto="0" userDrawn="0"/>
           </p:nvCxnSpPr>
           <p:spPr bwMode="auto">
-            <a:xfrm rot="5399978" flipH="0" flipV="0">
+            <a:xfrm rot="5399977" flipH="0" flipV="0">
               <a:off x="2656303" y="1697406"/>
               <a:ext cx="595250" cy="392922"/>
             </a:xfrm>
@@ -6137,7 +6138,7 @@
             <p:nvPr isPhoto="0" userDrawn="0"/>
           </p:nvCxnSpPr>
           <p:spPr bwMode="auto">
-            <a:xfrm rot="10799990" flipH="0" flipV="1">
+            <a:xfrm rot="10799989" flipH="0" flipV="1">
               <a:off x="2757467" y="1000993"/>
               <a:ext cx="392923" cy="0"/>
             </a:xfrm>
@@ -6179,7 +6180,7 @@
             <p:nvPr isPhoto="0" userDrawn="0"/>
           </p:nvCxnSpPr>
           <p:spPr bwMode="auto">
-            <a:xfrm rot="5399978" flipH="0" flipV="0">
+            <a:xfrm rot="5399977" flipH="0" flipV="0">
               <a:off x="2656304" y="1102155"/>
               <a:ext cx="595247" cy="392923"/>
             </a:xfrm>
@@ -6334,9 +6335,9 @@
           <p:nvPr isPhoto="0" userDrawn="0"/>
         </p:nvCxnSpPr>
         <p:spPr bwMode="auto">
-          <a:xfrm rot="10799990" flipH="1" flipV="1">
+          <a:xfrm rot="10799989" flipH="1" flipV="1">
             <a:off x="1801977" y="2944555"/>
-            <a:ext cx="2569256" cy="2595255"/>
+            <a:ext cx="2569255" cy="2595255"/>
           </a:xfrm>
           <a:prstGeom prst="line">
             <a:avLst/>
@@ -6381,7 +6382,7 @@
         <p:spPr bwMode="auto">
           <a:xfrm rot="0" flipH="0" flipV="0">
             <a:off x="1801977" y="2944555"/>
-            <a:ext cx="2569256" cy="1404756"/>
+            <a:ext cx="2569255" cy="1404756"/>
           </a:xfrm>
           <a:prstGeom prst="line">
             <a:avLst/>
@@ -6423,9 +6424,9 @@
           <p:nvPr isPhoto="0" userDrawn="0"/>
         </p:nvCxnSpPr>
         <p:spPr bwMode="auto">
-          <a:xfrm rot="5399978" flipH="0" flipV="1">
+          <a:xfrm rot="5399977" flipH="0" flipV="1">
             <a:off x="2086602" y="2659930"/>
-            <a:ext cx="2000005" cy="2569256"/>
+            <a:ext cx="2000004" cy="2569255"/>
           </a:xfrm>
           <a:prstGeom prst="line">
             <a:avLst/>
@@ -6651,6 +6652,3320 @@
 </p:sld>
 </file>
 
+<file path=ppt/slides/slide2.xml><?xml version="1.0" encoding="utf-8"?>
+<p:sld xmlns:a="http://schemas.openxmlformats.org/drawingml/2006/main" xmlns:r="http://schemas.openxmlformats.org/officeDocument/2006/relationships" xmlns:p="http://schemas.openxmlformats.org/presentationml/2006/main" xmlns:m="http://schemas.openxmlformats.org/officeDocument/2006/math" xmlns:w="http://schemas.openxmlformats.org/wordprocessingml/2006/main" showMasterPhAnim="0" show="1">
+  <p:cSld name="">
+    <p:spTree>
+      <p:nvGrpSpPr>
+        <p:cNvPr id="1" name="" hidden="0"/>
+        <p:cNvGrpSpPr/>
+        <p:nvPr isPhoto="0" userDrawn="0"/>
+      </p:nvGrpSpPr>
+      <p:grpSpPr bwMode="auto">
+        <a:xfrm>
+          <a:off x="0" y="0"/>
+          <a:ext cx="0" cy="0"/>
+          <a:chOff x="0" y="0"/>
+          <a:chExt cx="0" cy="0"/>
+        </a:xfrm>
+      </p:grpSpPr>
+      <p:grpSp>
+        <p:nvGrpSpPr>
+          <p:cNvPr id="296001945" name="" hidden="0"/>
+          <p:cNvGrpSpPr/>
+          <p:nvPr isPhoto="0" userDrawn="0"/>
+        </p:nvGrpSpPr>
+        <p:grpSpPr bwMode="auto">
+          <a:xfrm flipH="0" flipV="0">
+            <a:off x="2038341" y="1128818"/>
+            <a:ext cx="4990031" cy="3397740"/>
+            <a:chOff x="0" y="0"/>
+            <a:chExt cx="4990031" cy="3397740"/>
+          </a:xfrm>
+        </p:grpSpPr>
+        <p:sp>
+          <p:nvSpPr>
+            <p:cNvPr id="1179981091" name="" hidden="0"/>
+            <p:cNvSpPr/>
+            <p:nvPr isPhoto="0" userDrawn="0"/>
+          </p:nvSpPr>
+          <p:spPr bwMode="auto">
+            <a:xfrm rot="0" flipH="0" flipV="0">
+              <a:off x="2241592" y="0"/>
+              <a:ext cx="485389" cy="485389"/>
+            </a:xfrm>
+            <a:prstGeom prst="ellipse">
+              <a:avLst/>
+            </a:prstGeom>
+            <a:solidFill>
+              <a:schemeClr val="bg1">
+                <a:lumMod val="65000"/>
+              </a:schemeClr>
+            </a:solidFill>
+            <a:ln w="12700" cap="flat" cmpd="sng" algn="ctr">
+              <a:solidFill>
+                <a:schemeClr val="tx1"/>
+              </a:solidFill>
+              <a:prstDash val="solid"/>
+              <a:miter/>
+            </a:ln>
+          </p:spPr>
+          <p:style>
+            <a:lnRef idx="2">
+              <a:schemeClr val="accent1">
+                <a:shade val="50000"/>
+              </a:schemeClr>
+            </a:lnRef>
+            <a:fillRef idx="1">
+              <a:schemeClr val="accent1"/>
+            </a:fillRef>
+            <a:effectRef idx="0">
+              <a:schemeClr val="accent1"/>
+            </a:effectRef>
+            <a:fontRef idx="minor">
+              <a:schemeClr val="lt1"/>
+            </a:fontRef>
+          </p:style>
+          <p:txBody>
+            <a:bodyPr/>
+            <a:p>
+              <a:pPr>
+                <a:defRPr/>
+              </a:pPr>
+              <a:endParaRPr/>
+            </a:p>
+          </p:txBody>
+        </p:sp>
+        <p:sp>
+          <p:nvSpPr>
+            <p:cNvPr id="965463637" name="" hidden="0"/>
+            <p:cNvSpPr/>
+            <p:nvPr isPhoto="0" userDrawn="0"/>
+          </p:nvSpPr>
+          <p:spPr bwMode="auto">
+            <a:xfrm rot="0" flipH="0" flipV="0">
+              <a:off x="2241592" y="970783"/>
+              <a:ext cx="485389" cy="485389"/>
+            </a:xfrm>
+            <a:prstGeom prst="ellipse">
+              <a:avLst/>
+            </a:prstGeom>
+            <a:solidFill>
+              <a:schemeClr val="bg1">
+                <a:lumMod val="65000"/>
+              </a:schemeClr>
+            </a:solidFill>
+            <a:ln w="12700" cap="flat" cmpd="sng" algn="ctr">
+              <a:solidFill>
+                <a:schemeClr val="tx1"/>
+              </a:solidFill>
+              <a:prstDash val="solid"/>
+              <a:miter/>
+            </a:ln>
+          </p:spPr>
+          <p:style>
+            <a:lnRef idx="2">
+              <a:schemeClr val="accent1">
+                <a:shade val="50000"/>
+              </a:schemeClr>
+            </a:lnRef>
+            <a:fillRef idx="1">
+              <a:schemeClr val="accent1"/>
+            </a:fillRef>
+            <a:effectRef idx="0">
+              <a:schemeClr val="accent1"/>
+            </a:effectRef>
+            <a:fontRef idx="minor">
+              <a:schemeClr val="lt1"/>
+            </a:fontRef>
+          </p:style>
+          <p:txBody>
+            <a:bodyPr/>
+            <a:p>
+              <a:pPr>
+                <a:defRPr/>
+              </a:pPr>
+              <a:endParaRPr/>
+            </a:p>
+          </p:txBody>
+        </p:sp>
+        <p:sp>
+          <p:nvSpPr>
+            <p:cNvPr id="995764774" name="" hidden="0"/>
+            <p:cNvSpPr/>
+            <p:nvPr isPhoto="0" userDrawn="0"/>
+          </p:nvSpPr>
+          <p:spPr bwMode="auto">
+            <a:xfrm rot="0" flipH="0" flipV="0">
+              <a:off x="2241592" y="1941566"/>
+              <a:ext cx="485389" cy="485389"/>
+            </a:xfrm>
+            <a:prstGeom prst="ellipse">
+              <a:avLst/>
+            </a:prstGeom>
+            <a:solidFill>
+              <a:schemeClr val="bg1">
+                <a:lumMod val="65000"/>
+              </a:schemeClr>
+            </a:solidFill>
+            <a:ln w="12700" cap="flat" cmpd="sng" algn="ctr">
+              <a:solidFill>
+                <a:schemeClr val="tx1"/>
+              </a:solidFill>
+              <a:prstDash val="solid"/>
+              <a:miter/>
+            </a:ln>
+          </p:spPr>
+          <p:style>
+            <a:lnRef idx="2">
+              <a:schemeClr val="accent1">
+                <a:shade val="50000"/>
+              </a:schemeClr>
+            </a:lnRef>
+            <a:fillRef idx="1">
+              <a:schemeClr val="accent1"/>
+            </a:fillRef>
+            <a:effectRef idx="0">
+              <a:schemeClr val="accent1"/>
+            </a:effectRef>
+            <a:fontRef idx="minor">
+              <a:schemeClr val="lt1"/>
+            </a:fontRef>
+          </p:style>
+          <p:txBody>
+            <a:bodyPr/>
+            <a:p>
+              <a:pPr>
+                <a:defRPr/>
+              </a:pPr>
+              <a:endParaRPr/>
+            </a:p>
+          </p:txBody>
+        </p:sp>
+        <p:sp>
+          <p:nvSpPr>
+            <p:cNvPr id="141584931" name="" hidden="0"/>
+            <p:cNvSpPr/>
+            <p:nvPr isPhoto="0" userDrawn="0"/>
+          </p:nvSpPr>
+          <p:spPr bwMode="auto">
+            <a:xfrm rot="0" flipH="0" flipV="0">
+              <a:off x="2241592" y="2912350"/>
+              <a:ext cx="485389" cy="485389"/>
+            </a:xfrm>
+            <a:prstGeom prst="ellipse">
+              <a:avLst/>
+            </a:prstGeom>
+            <a:solidFill>
+              <a:schemeClr val="bg1">
+                <a:lumMod val="65000"/>
+              </a:schemeClr>
+            </a:solidFill>
+            <a:ln w="12700" cap="flat" cmpd="sng" algn="ctr">
+              <a:solidFill>
+                <a:schemeClr val="tx1"/>
+              </a:solidFill>
+              <a:prstDash val="solid"/>
+              <a:miter/>
+            </a:ln>
+          </p:spPr>
+          <p:style>
+            <a:lnRef idx="2">
+              <a:schemeClr val="accent1">
+                <a:shade val="50000"/>
+              </a:schemeClr>
+            </a:lnRef>
+            <a:fillRef idx="1">
+              <a:schemeClr val="accent1"/>
+            </a:fillRef>
+            <a:effectRef idx="0">
+              <a:schemeClr val="accent1"/>
+            </a:effectRef>
+            <a:fontRef idx="minor">
+              <a:schemeClr val="lt1"/>
+            </a:fontRef>
+          </p:style>
+          <p:txBody>
+            <a:bodyPr/>
+            <a:p>
+              <a:pPr>
+                <a:defRPr/>
+              </a:pPr>
+              <a:endParaRPr/>
+            </a:p>
+          </p:txBody>
+        </p:sp>
+        <p:sp>
+          <p:nvSpPr>
+            <p:cNvPr id="386501491" name="" hidden="0"/>
+            <p:cNvSpPr/>
+            <p:nvPr isPhoto="0" userDrawn="0"/>
+          </p:nvSpPr>
+          <p:spPr bwMode="auto">
+            <a:xfrm rot="0" flipH="0" flipV="0">
+              <a:off x="3378435" y="0"/>
+              <a:ext cx="485389" cy="485389"/>
+            </a:xfrm>
+            <a:prstGeom prst="ellipse">
+              <a:avLst/>
+            </a:prstGeom>
+            <a:solidFill>
+              <a:schemeClr val="bg1">
+                <a:lumMod val="65000"/>
+              </a:schemeClr>
+            </a:solidFill>
+            <a:ln w="12700" cap="flat" cmpd="sng" algn="ctr">
+              <a:solidFill>
+                <a:schemeClr val="tx1"/>
+              </a:solidFill>
+              <a:prstDash val="solid"/>
+              <a:miter/>
+            </a:ln>
+          </p:spPr>
+          <p:style>
+            <a:lnRef idx="2">
+              <a:schemeClr val="accent1">
+                <a:shade val="50000"/>
+              </a:schemeClr>
+            </a:lnRef>
+            <a:fillRef idx="1">
+              <a:schemeClr val="accent1"/>
+            </a:fillRef>
+            <a:effectRef idx="0">
+              <a:schemeClr val="accent1"/>
+            </a:effectRef>
+            <a:fontRef idx="minor">
+              <a:schemeClr val="lt1"/>
+            </a:fontRef>
+          </p:style>
+          <p:txBody>
+            <a:bodyPr/>
+            <a:p>
+              <a:pPr>
+                <a:defRPr/>
+              </a:pPr>
+              <a:endParaRPr/>
+            </a:p>
+          </p:txBody>
+        </p:sp>
+        <p:sp>
+          <p:nvSpPr>
+            <p:cNvPr id="1832079494" name="" hidden="0"/>
+            <p:cNvSpPr/>
+            <p:nvPr isPhoto="0" userDrawn="0"/>
+          </p:nvSpPr>
+          <p:spPr bwMode="auto">
+            <a:xfrm rot="0" flipH="0" flipV="0">
+              <a:off x="3378435" y="970783"/>
+              <a:ext cx="485389" cy="485389"/>
+            </a:xfrm>
+            <a:prstGeom prst="ellipse">
+              <a:avLst/>
+            </a:prstGeom>
+            <a:solidFill>
+              <a:schemeClr val="bg1">
+                <a:lumMod val="65000"/>
+              </a:schemeClr>
+            </a:solidFill>
+            <a:ln w="12700" cap="flat" cmpd="sng" algn="ctr">
+              <a:solidFill>
+                <a:schemeClr val="tx1"/>
+              </a:solidFill>
+              <a:prstDash val="solid"/>
+              <a:miter/>
+            </a:ln>
+          </p:spPr>
+          <p:style>
+            <a:lnRef idx="2">
+              <a:schemeClr val="accent1">
+                <a:shade val="50000"/>
+              </a:schemeClr>
+            </a:lnRef>
+            <a:fillRef idx="1">
+              <a:schemeClr val="accent1"/>
+            </a:fillRef>
+            <a:effectRef idx="0">
+              <a:schemeClr val="accent1"/>
+            </a:effectRef>
+            <a:fontRef idx="minor">
+              <a:schemeClr val="lt1"/>
+            </a:fontRef>
+          </p:style>
+          <p:txBody>
+            <a:bodyPr/>
+            <a:p>
+              <a:pPr>
+                <a:defRPr/>
+              </a:pPr>
+              <a:endParaRPr/>
+            </a:p>
+          </p:txBody>
+        </p:sp>
+        <p:sp>
+          <p:nvSpPr>
+            <p:cNvPr id="219281197" name="" hidden="0"/>
+            <p:cNvSpPr/>
+            <p:nvPr isPhoto="0" userDrawn="0"/>
+          </p:nvSpPr>
+          <p:spPr bwMode="auto">
+            <a:xfrm rot="0" flipH="0" flipV="0">
+              <a:off x="3378435" y="1941566"/>
+              <a:ext cx="485389" cy="485389"/>
+            </a:xfrm>
+            <a:prstGeom prst="ellipse">
+              <a:avLst/>
+            </a:prstGeom>
+            <a:solidFill>
+              <a:schemeClr val="bg1">
+                <a:lumMod val="65000"/>
+              </a:schemeClr>
+            </a:solidFill>
+            <a:ln w="12700" cap="flat" cmpd="sng" algn="ctr">
+              <a:solidFill>
+                <a:schemeClr val="tx1"/>
+              </a:solidFill>
+              <a:prstDash val="solid"/>
+              <a:miter/>
+            </a:ln>
+          </p:spPr>
+          <p:style>
+            <a:lnRef idx="2">
+              <a:schemeClr val="accent1">
+                <a:shade val="50000"/>
+              </a:schemeClr>
+            </a:lnRef>
+            <a:fillRef idx="1">
+              <a:schemeClr val="accent1"/>
+            </a:fillRef>
+            <a:effectRef idx="0">
+              <a:schemeClr val="accent1"/>
+            </a:effectRef>
+            <a:fontRef idx="minor">
+              <a:schemeClr val="lt1"/>
+            </a:fontRef>
+          </p:style>
+          <p:txBody>
+            <a:bodyPr/>
+            <a:p>
+              <a:pPr>
+                <a:defRPr/>
+              </a:pPr>
+              <a:endParaRPr/>
+            </a:p>
+          </p:txBody>
+        </p:sp>
+        <p:sp>
+          <p:nvSpPr>
+            <p:cNvPr id="114485442" name="" hidden="0"/>
+            <p:cNvSpPr/>
+            <p:nvPr isPhoto="0" userDrawn="0"/>
+          </p:nvSpPr>
+          <p:spPr bwMode="auto">
+            <a:xfrm rot="0" flipH="0" flipV="0">
+              <a:off x="3378435" y="2912350"/>
+              <a:ext cx="485389" cy="485389"/>
+            </a:xfrm>
+            <a:prstGeom prst="ellipse">
+              <a:avLst/>
+            </a:prstGeom>
+            <a:solidFill>
+              <a:schemeClr val="bg1">
+                <a:lumMod val="65000"/>
+              </a:schemeClr>
+            </a:solidFill>
+            <a:ln w="12700" cap="flat" cmpd="sng" algn="ctr">
+              <a:solidFill>
+                <a:schemeClr val="tx1"/>
+              </a:solidFill>
+              <a:prstDash val="solid"/>
+              <a:miter/>
+            </a:ln>
+          </p:spPr>
+          <p:style>
+            <a:lnRef idx="2">
+              <a:schemeClr val="accent1">
+                <a:shade val="50000"/>
+              </a:schemeClr>
+            </a:lnRef>
+            <a:fillRef idx="1">
+              <a:schemeClr val="accent1"/>
+            </a:fillRef>
+            <a:effectRef idx="0">
+              <a:schemeClr val="accent1"/>
+            </a:effectRef>
+            <a:fontRef idx="minor">
+              <a:schemeClr val="lt1"/>
+            </a:fontRef>
+          </p:style>
+          <p:txBody>
+            <a:bodyPr/>
+            <a:p>
+              <a:pPr>
+                <a:defRPr/>
+              </a:pPr>
+              <a:endParaRPr/>
+            </a:p>
+          </p:txBody>
+        </p:sp>
+        <p:sp>
+          <p:nvSpPr>
+            <p:cNvPr id="1451884054" name="" hidden="0"/>
+            <p:cNvSpPr/>
+            <p:nvPr isPhoto="0" userDrawn="0"/>
+          </p:nvSpPr>
+          <p:spPr bwMode="auto">
+            <a:xfrm rot="0" flipH="0" flipV="0">
+              <a:off x="4504641" y="970783"/>
+              <a:ext cx="485389" cy="485389"/>
+            </a:xfrm>
+            <a:prstGeom prst="ellipse">
+              <a:avLst/>
+            </a:prstGeom>
+            <a:solidFill>
+              <a:schemeClr val="tx1"/>
+            </a:solidFill>
+            <a:ln w="12700" cap="flat" cmpd="sng" algn="ctr">
+              <a:solidFill>
+                <a:schemeClr val="tx1"/>
+              </a:solidFill>
+              <a:prstDash val="solid"/>
+              <a:miter/>
+            </a:ln>
+          </p:spPr>
+          <p:style>
+            <a:lnRef idx="2">
+              <a:schemeClr val="accent1">
+                <a:shade val="50000"/>
+              </a:schemeClr>
+            </a:lnRef>
+            <a:fillRef idx="1">
+              <a:schemeClr val="accent1"/>
+            </a:fillRef>
+            <a:effectRef idx="0">
+              <a:schemeClr val="accent1"/>
+            </a:effectRef>
+            <a:fontRef idx="minor">
+              <a:schemeClr val="lt1"/>
+            </a:fontRef>
+          </p:style>
+          <p:txBody>
+            <a:bodyPr/>
+            <a:p>
+              <a:pPr>
+                <a:defRPr/>
+              </a:pPr>
+              <a:endParaRPr/>
+            </a:p>
+          </p:txBody>
+        </p:sp>
+        <p:sp>
+          <p:nvSpPr>
+            <p:cNvPr id="2074283913" name="" hidden="0"/>
+            <p:cNvSpPr/>
+            <p:nvPr isPhoto="0" userDrawn="0"/>
+          </p:nvSpPr>
+          <p:spPr bwMode="auto">
+            <a:xfrm rot="0" flipH="0" flipV="0">
+              <a:off x="4504641" y="1941566"/>
+              <a:ext cx="485389" cy="485389"/>
+            </a:xfrm>
+            <a:prstGeom prst="ellipse">
+              <a:avLst/>
+            </a:prstGeom>
+            <a:solidFill>
+              <a:schemeClr val="bg1"/>
+            </a:solidFill>
+            <a:ln w="12700" cap="flat" cmpd="sng" algn="ctr">
+              <a:solidFill>
+                <a:schemeClr val="tx1"/>
+              </a:solidFill>
+              <a:prstDash val="solid"/>
+              <a:miter/>
+            </a:ln>
+          </p:spPr>
+          <p:style>
+            <a:lnRef idx="2">
+              <a:schemeClr val="accent1">
+                <a:shade val="50000"/>
+              </a:schemeClr>
+            </a:lnRef>
+            <a:fillRef idx="1">
+              <a:schemeClr val="accent1"/>
+            </a:fillRef>
+            <a:effectRef idx="0">
+              <a:schemeClr val="accent1"/>
+            </a:effectRef>
+            <a:fontRef idx="minor">
+              <a:schemeClr val="lt1"/>
+            </a:fontRef>
+          </p:style>
+          <p:txBody>
+            <a:bodyPr/>
+            <a:p>
+              <a:pPr>
+                <a:defRPr/>
+              </a:pPr>
+              <a:endParaRPr/>
+            </a:p>
+          </p:txBody>
+        </p:sp>
+        <p:sp>
+          <p:nvSpPr>
+            <p:cNvPr id="1584214567" name="" hidden="0"/>
+            <p:cNvSpPr/>
+            <p:nvPr isPhoto="0" userDrawn="0"/>
+          </p:nvSpPr>
+          <p:spPr bwMode="auto">
+            <a:xfrm rot="0" flipH="0" flipV="0">
+              <a:off x="1120797" y="0"/>
+              <a:ext cx="485389" cy="485389"/>
+            </a:xfrm>
+            <a:prstGeom prst="ellipse">
+              <a:avLst/>
+            </a:prstGeom>
+            <a:solidFill>
+              <a:schemeClr val="bg1">
+                <a:lumMod val="65000"/>
+              </a:schemeClr>
+            </a:solidFill>
+            <a:ln w="12700" cap="flat" cmpd="sng" algn="ctr">
+              <a:solidFill>
+                <a:schemeClr val="tx1"/>
+              </a:solidFill>
+              <a:prstDash val="solid"/>
+              <a:miter/>
+            </a:ln>
+          </p:spPr>
+          <p:style>
+            <a:lnRef idx="2">
+              <a:schemeClr val="accent1">
+                <a:shade val="50000"/>
+              </a:schemeClr>
+            </a:lnRef>
+            <a:fillRef idx="1">
+              <a:schemeClr val="accent1"/>
+            </a:fillRef>
+            <a:effectRef idx="0">
+              <a:schemeClr val="accent1"/>
+            </a:effectRef>
+            <a:fontRef idx="minor">
+              <a:schemeClr val="lt1"/>
+            </a:fontRef>
+          </p:style>
+          <p:txBody>
+            <a:bodyPr/>
+            <a:p>
+              <a:pPr>
+                <a:defRPr/>
+              </a:pPr>
+              <a:endParaRPr/>
+            </a:p>
+          </p:txBody>
+        </p:sp>
+        <p:sp>
+          <p:nvSpPr>
+            <p:cNvPr id="1397022966" name="" hidden="0"/>
+            <p:cNvSpPr/>
+            <p:nvPr isPhoto="0" userDrawn="0"/>
+          </p:nvSpPr>
+          <p:spPr bwMode="auto">
+            <a:xfrm rot="0" flipH="0" flipV="0">
+              <a:off x="1120797" y="970783"/>
+              <a:ext cx="485389" cy="485389"/>
+            </a:xfrm>
+            <a:prstGeom prst="ellipse">
+              <a:avLst/>
+            </a:prstGeom>
+            <a:solidFill>
+              <a:schemeClr val="bg1">
+                <a:lumMod val="65000"/>
+              </a:schemeClr>
+            </a:solidFill>
+            <a:ln w="12700" cap="flat" cmpd="sng" algn="ctr">
+              <a:solidFill>
+                <a:schemeClr val="tx1"/>
+              </a:solidFill>
+              <a:prstDash val="solid"/>
+              <a:miter/>
+            </a:ln>
+          </p:spPr>
+          <p:style>
+            <a:lnRef idx="2">
+              <a:schemeClr val="accent1">
+                <a:shade val="50000"/>
+              </a:schemeClr>
+            </a:lnRef>
+            <a:fillRef idx="1">
+              <a:schemeClr val="accent1"/>
+            </a:fillRef>
+            <a:effectRef idx="0">
+              <a:schemeClr val="accent1"/>
+            </a:effectRef>
+            <a:fontRef idx="minor">
+              <a:schemeClr val="lt1"/>
+            </a:fontRef>
+          </p:style>
+          <p:txBody>
+            <a:bodyPr/>
+            <a:p>
+              <a:pPr>
+                <a:defRPr/>
+              </a:pPr>
+              <a:endParaRPr/>
+            </a:p>
+          </p:txBody>
+        </p:sp>
+        <p:sp>
+          <p:nvSpPr>
+            <p:cNvPr id="694294002" name="" hidden="0"/>
+            <p:cNvSpPr/>
+            <p:nvPr isPhoto="0" userDrawn="0"/>
+          </p:nvSpPr>
+          <p:spPr bwMode="auto">
+            <a:xfrm rot="0" flipH="0" flipV="0">
+              <a:off x="1120797" y="1941566"/>
+              <a:ext cx="485389" cy="485389"/>
+            </a:xfrm>
+            <a:prstGeom prst="ellipse">
+              <a:avLst/>
+            </a:prstGeom>
+            <a:solidFill>
+              <a:schemeClr val="bg1">
+                <a:lumMod val="65000"/>
+              </a:schemeClr>
+            </a:solidFill>
+            <a:ln w="12700" cap="flat" cmpd="sng" algn="ctr">
+              <a:solidFill>
+                <a:schemeClr val="tx1"/>
+              </a:solidFill>
+              <a:prstDash val="solid"/>
+              <a:miter/>
+            </a:ln>
+          </p:spPr>
+          <p:style>
+            <a:lnRef idx="2">
+              <a:schemeClr val="accent1">
+                <a:shade val="50000"/>
+              </a:schemeClr>
+            </a:lnRef>
+            <a:fillRef idx="1">
+              <a:schemeClr val="accent1"/>
+            </a:fillRef>
+            <a:effectRef idx="0">
+              <a:schemeClr val="accent1"/>
+            </a:effectRef>
+            <a:fontRef idx="minor">
+              <a:schemeClr val="lt1"/>
+            </a:fontRef>
+          </p:style>
+          <p:txBody>
+            <a:bodyPr/>
+            <a:p>
+              <a:pPr>
+                <a:defRPr/>
+              </a:pPr>
+              <a:endParaRPr/>
+            </a:p>
+          </p:txBody>
+        </p:sp>
+        <p:sp>
+          <p:nvSpPr>
+            <p:cNvPr id="2043683293" name="" hidden="0"/>
+            <p:cNvSpPr/>
+            <p:nvPr isPhoto="0" userDrawn="0"/>
+          </p:nvSpPr>
+          <p:spPr bwMode="auto">
+            <a:xfrm rot="0" flipH="0" flipV="0">
+              <a:off x="1120797" y="2912350"/>
+              <a:ext cx="485389" cy="485389"/>
+            </a:xfrm>
+            <a:prstGeom prst="ellipse">
+              <a:avLst/>
+            </a:prstGeom>
+            <a:solidFill>
+              <a:schemeClr val="bg1">
+                <a:lumMod val="65000"/>
+              </a:schemeClr>
+            </a:solidFill>
+            <a:ln w="12700" cap="flat" cmpd="sng" algn="ctr">
+              <a:solidFill>
+                <a:schemeClr val="tx1"/>
+              </a:solidFill>
+              <a:prstDash val="solid"/>
+              <a:miter/>
+            </a:ln>
+          </p:spPr>
+          <p:style>
+            <a:lnRef idx="2">
+              <a:schemeClr val="accent1">
+                <a:shade val="50000"/>
+              </a:schemeClr>
+            </a:lnRef>
+            <a:fillRef idx="1">
+              <a:schemeClr val="accent1"/>
+            </a:fillRef>
+            <a:effectRef idx="0">
+              <a:schemeClr val="accent1"/>
+            </a:effectRef>
+            <a:fontRef idx="minor">
+              <a:schemeClr val="lt1"/>
+            </a:fontRef>
+          </p:style>
+          <p:txBody>
+            <a:bodyPr/>
+            <a:p>
+              <a:pPr>
+                <a:defRPr/>
+              </a:pPr>
+              <a:endParaRPr/>
+            </a:p>
+          </p:txBody>
+        </p:sp>
+        <p:sp>
+          <p:nvSpPr>
+            <p:cNvPr id="1158149746" name="" hidden="0"/>
+            <p:cNvSpPr/>
+            <p:nvPr isPhoto="0" userDrawn="0"/>
+          </p:nvSpPr>
+          <p:spPr bwMode="auto">
+            <a:xfrm rot="0" flipH="0" flipV="0">
+              <a:off x="0" y="485391"/>
+              <a:ext cx="485389" cy="485389"/>
+            </a:xfrm>
+            <a:prstGeom prst="ellipse">
+              <a:avLst/>
+            </a:prstGeom>
+            <a:solidFill>
+              <a:srgbClr val="FF0000"/>
+            </a:solidFill>
+            <a:ln w="12700" cap="flat" cmpd="sng" algn="ctr">
+              <a:solidFill>
+                <a:schemeClr val="tx1"/>
+              </a:solidFill>
+              <a:prstDash val="solid"/>
+              <a:miter/>
+            </a:ln>
+          </p:spPr>
+          <p:style>
+            <a:lnRef idx="2">
+              <a:schemeClr val="accent1">
+                <a:shade val="50000"/>
+              </a:schemeClr>
+            </a:lnRef>
+            <a:fillRef idx="1">
+              <a:schemeClr val="accent1"/>
+            </a:fillRef>
+            <a:effectRef idx="0">
+              <a:schemeClr val="accent1"/>
+            </a:effectRef>
+            <a:fontRef idx="minor">
+              <a:schemeClr val="lt1"/>
+            </a:fontRef>
+          </p:style>
+          <p:txBody>
+            <a:bodyPr/>
+            <a:p>
+              <a:pPr>
+                <a:defRPr/>
+              </a:pPr>
+              <a:endParaRPr/>
+            </a:p>
+          </p:txBody>
+        </p:sp>
+        <p:sp>
+          <p:nvSpPr>
+            <p:cNvPr id="269101985" name="" hidden="0"/>
+            <p:cNvSpPr/>
+            <p:nvPr isPhoto="0" userDrawn="0"/>
+          </p:nvSpPr>
+          <p:spPr bwMode="auto">
+            <a:xfrm rot="0" flipH="0" flipV="0">
+              <a:off x="0" y="2426958"/>
+              <a:ext cx="485389" cy="485389"/>
+            </a:xfrm>
+            <a:prstGeom prst="ellipse">
+              <a:avLst/>
+            </a:prstGeom>
+            <a:ln w="12700" cap="flat" cmpd="sng" algn="ctr">
+              <a:solidFill>
+                <a:schemeClr val="tx1"/>
+              </a:solidFill>
+              <a:prstDash val="solid"/>
+              <a:miter/>
+            </a:ln>
+          </p:spPr>
+          <p:style>
+            <a:lnRef idx="2">
+              <a:schemeClr val="accent1">
+                <a:shade val="50000"/>
+              </a:schemeClr>
+            </a:lnRef>
+            <a:fillRef idx="1">
+              <a:schemeClr val="accent1"/>
+            </a:fillRef>
+            <a:effectRef idx="0">
+              <a:schemeClr val="accent1"/>
+            </a:effectRef>
+            <a:fontRef idx="minor">
+              <a:schemeClr val="lt1"/>
+            </a:fontRef>
+          </p:style>
+        </p:sp>
+        <p:sp>
+          <p:nvSpPr>
+            <p:cNvPr id="2078715098" name="" hidden="0"/>
+            <p:cNvSpPr/>
+            <p:nvPr isPhoto="0" userDrawn="0"/>
+          </p:nvSpPr>
+          <p:spPr bwMode="auto">
+            <a:xfrm rot="0" flipH="0" flipV="0">
+              <a:off x="0" y="1456175"/>
+              <a:ext cx="485389" cy="485389"/>
+            </a:xfrm>
+            <a:prstGeom prst="ellipse">
+              <a:avLst/>
+            </a:prstGeom>
+            <a:solidFill>
+              <a:srgbClr val="92D050"/>
+            </a:solidFill>
+            <a:ln w="12700" cap="flat" cmpd="sng" algn="ctr">
+              <a:solidFill>
+                <a:schemeClr val="tx1"/>
+              </a:solidFill>
+              <a:prstDash val="solid"/>
+              <a:miter/>
+            </a:ln>
+          </p:spPr>
+          <p:style>
+            <a:lnRef idx="2">
+              <a:schemeClr val="accent1">
+                <a:shade val="50000"/>
+              </a:schemeClr>
+            </a:lnRef>
+            <a:fillRef idx="1">
+              <a:schemeClr val="accent1"/>
+            </a:fillRef>
+            <a:effectRef idx="0">
+              <a:schemeClr val="accent1"/>
+            </a:effectRef>
+            <a:fontRef idx="minor">
+              <a:schemeClr val="lt1"/>
+            </a:fontRef>
+          </p:style>
+        </p:sp>
+        <p:cxnSp>
+          <p:nvCxnSpPr>
+            <p:cNvPr id="601462628" name="" hidden="0"/>
+            <p:cNvCxnSpPr>
+              <a:cxnSpLocks/>
+            </p:cNvCxnSpPr>
+            <p:nvPr isPhoto="0" userDrawn="0"/>
+          </p:nvCxnSpPr>
+          <p:spPr bwMode="auto">
+            <a:xfrm rot="0" flipH="0" flipV="1">
+              <a:off x="485391" y="242696"/>
+              <a:ext cx="635403" cy="485391"/>
+            </a:xfrm>
+            <a:prstGeom prst="line">
+              <a:avLst/>
+            </a:prstGeom>
+            <a:ln w="12699" cap="flat" cmpd="sng" algn="ctr">
+              <a:solidFill>
+                <a:schemeClr val="tx1"/>
+              </a:solidFill>
+              <a:prstDash val="solid"/>
+              <a:miter/>
+            </a:ln>
+          </p:spPr>
+          <p:style>
+            <a:lnRef idx="1">
+              <a:schemeClr val="accent1">
+                <a:shade val="50000"/>
+              </a:schemeClr>
+            </a:lnRef>
+            <a:fillRef idx="0">
+              <a:schemeClr val="accent1"/>
+            </a:fillRef>
+            <a:effectRef idx="0">
+              <a:schemeClr val="accent1"/>
+            </a:effectRef>
+            <a:fontRef idx="minor">
+              <a:schemeClr val="tx1"/>
+            </a:fontRef>
+          </p:style>
+        </p:cxnSp>
+        <p:cxnSp>
+          <p:nvCxnSpPr>
+            <p:cNvPr id="1092048945" name="" hidden="0"/>
+            <p:cNvCxnSpPr>
+              <a:cxnSpLocks/>
+            </p:cNvCxnSpPr>
+            <p:nvPr isPhoto="0" userDrawn="0"/>
+          </p:nvCxnSpPr>
+          <p:spPr bwMode="auto">
+            <a:xfrm rot="0" flipH="0" flipV="0">
+              <a:off x="485391" y="728086"/>
+              <a:ext cx="635403" cy="485389"/>
+            </a:xfrm>
+            <a:prstGeom prst="line">
+              <a:avLst/>
+            </a:prstGeom>
+            <a:ln w="12699" cap="flat" cmpd="sng" algn="ctr">
+              <a:solidFill>
+                <a:schemeClr val="tx1"/>
+              </a:solidFill>
+              <a:prstDash val="solid"/>
+              <a:miter/>
+            </a:ln>
+          </p:spPr>
+          <p:style>
+            <a:lnRef idx="1">
+              <a:schemeClr val="accent1">
+                <a:shade val="50000"/>
+              </a:schemeClr>
+            </a:lnRef>
+            <a:fillRef idx="0">
+              <a:schemeClr val="accent1"/>
+            </a:fillRef>
+            <a:effectRef idx="0">
+              <a:schemeClr val="accent1"/>
+            </a:effectRef>
+            <a:fontRef idx="minor">
+              <a:schemeClr val="tx1"/>
+            </a:fontRef>
+          </p:style>
+        </p:cxnSp>
+        <p:cxnSp>
+          <p:nvCxnSpPr>
+            <p:cNvPr id="1430227196" name="" hidden="0"/>
+            <p:cNvCxnSpPr>
+              <a:cxnSpLocks/>
+            </p:cNvCxnSpPr>
+            <p:nvPr isPhoto="0" userDrawn="0"/>
+          </p:nvCxnSpPr>
+          <p:spPr bwMode="auto">
+            <a:xfrm rot="5399943" flipH="0" flipV="1">
+              <a:off x="75007" y="1138472"/>
+              <a:ext cx="1456173" cy="635403"/>
+            </a:xfrm>
+            <a:prstGeom prst="line">
+              <a:avLst/>
+            </a:prstGeom>
+            <a:ln w="12699" cap="flat" cmpd="sng" algn="ctr">
+              <a:solidFill>
+                <a:schemeClr val="tx1"/>
+              </a:solidFill>
+              <a:prstDash val="solid"/>
+              <a:miter/>
+            </a:ln>
+          </p:spPr>
+          <p:style>
+            <a:lnRef idx="1">
+              <a:schemeClr val="accent1">
+                <a:shade val="50000"/>
+              </a:schemeClr>
+            </a:lnRef>
+            <a:fillRef idx="0">
+              <a:schemeClr val="accent1"/>
+            </a:fillRef>
+            <a:effectRef idx="0">
+              <a:schemeClr val="accent1"/>
+            </a:effectRef>
+            <a:fontRef idx="minor">
+              <a:schemeClr val="tx1"/>
+            </a:fontRef>
+          </p:style>
+        </p:cxnSp>
+        <p:cxnSp>
+          <p:nvCxnSpPr>
+            <p:cNvPr id="530466209" name="" hidden="0"/>
+            <p:cNvCxnSpPr>
+              <a:cxnSpLocks/>
+            </p:cNvCxnSpPr>
+            <p:nvPr isPhoto="0" userDrawn="0"/>
+          </p:nvCxnSpPr>
+          <p:spPr bwMode="auto">
+            <a:xfrm rot="5399943" flipH="0" flipV="1">
+              <a:off x="-410385" y="1623862"/>
+              <a:ext cx="2426956" cy="635403"/>
+            </a:xfrm>
+            <a:prstGeom prst="line">
+              <a:avLst/>
+            </a:prstGeom>
+            <a:ln w="12699" cap="flat" cmpd="sng" algn="ctr">
+              <a:solidFill>
+                <a:schemeClr val="tx1"/>
+              </a:solidFill>
+              <a:prstDash val="solid"/>
+              <a:miter/>
+            </a:ln>
+          </p:spPr>
+          <p:style>
+            <a:lnRef idx="1">
+              <a:schemeClr val="accent1">
+                <a:shade val="50000"/>
+              </a:schemeClr>
+            </a:lnRef>
+            <a:fillRef idx="0">
+              <a:schemeClr val="accent1"/>
+            </a:fillRef>
+            <a:effectRef idx="0">
+              <a:schemeClr val="accent1"/>
+            </a:effectRef>
+            <a:fontRef idx="minor">
+              <a:schemeClr val="tx1"/>
+            </a:fontRef>
+          </p:style>
+        </p:cxnSp>
+        <p:cxnSp>
+          <p:nvCxnSpPr>
+            <p:cNvPr id="226417480" name="" hidden="0"/>
+            <p:cNvCxnSpPr>
+              <a:cxnSpLocks/>
+            </p:cNvCxnSpPr>
+            <p:nvPr isPhoto="0" userDrawn="0"/>
+          </p:nvCxnSpPr>
+          <p:spPr bwMode="auto">
+            <a:xfrm rot="0" flipH="0" flipV="0">
+              <a:off x="485391" y="1698872"/>
+              <a:ext cx="635403" cy="1456170"/>
+            </a:xfrm>
+            <a:prstGeom prst="line">
+              <a:avLst/>
+            </a:prstGeom>
+            <a:ln w="12699" cap="flat" cmpd="sng" algn="ctr">
+              <a:solidFill>
+                <a:schemeClr val="tx1"/>
+              </a:solidFill>
+              <a:prstDash val="solid"/>
+              <a:miter/>
+            </a:ln>
+          </p:spPr>
+          <p:style>
+            <a:lnRef idx="1">
+              <a:schemeClr val="accent1">
+                <a:shade val="50000"/>
+              </a:schemeClr>
+            </a:lnRef>
+            <a:fillRef idx="0">
+              <a:schemeClr val="accent1"/>
+            </a:fillRef>
+            <a:effectRef idx="0">
+              <a:schemeClr val="accent1"/>
+            </a:effectRef>
+            <a:fontRef idx="minor">
+              <a:schemeClr val="tx1"/>
+            </a:fontRef>
+          </p:style>
+        </p:cxnSp>
+        <p:cxnSp>
+          <p:nvCxnSpPr>
+            <p:cNvPr id="612998392" name="" hidden="0"/>
+            <p:cNvCxnSpPr>
+              <a:cxnSpLocks/>
+            </p:cNvCxnSpPr>
+            <p:nvPr isPhoto="0" userDrawn="0"/>
+          </p:nvCxnSpPr>
+          <p:spPr bwMode="auto">
+            <a:xfrm rot="0" flipH="0" flipV="0">
+              <a:off x="485391" y="1698872"/>
+              <a:ext cx="635405" cy="485388"/>
+            </a:xfrm>
+            <a:prstGeom prst="line">
+              <a:avLst/>
+            </a:prstGeom>
+            <a:ln w="12699" cap="flat" cmpd="sng" algn="ctr">
+              <a:solidFill>
+                <a:schemeClr val="tx1"/>
+              </a:solidFill>
+              <a:prstDash val="solid"/>
+              <a:miter/>
+            </a:ln>
+          </p:spPr>
+          <p:style>
+            <a:lnRef idx="1">
+              <a:schemeClr val="accent1">
+                <a:shade val="50000"/>
+              </a:schemeClr>
+            </a:lnRef>
+            <a:fillRef idx="0">
+              <a:schemeClr val="accent1"/>
+            </a:fillRef>
+            <a:effectRef idx="0">
+              <a:schemeClr val="accent1"/>
+            </a:effectRef>
+            <a:fontRef idx="minor">
+              <a:schemeClr val="tx1"/>
+            </a:fontRef>
+          </p:style>
+        </p:cxnSp>
+        <p:cxnSp>
+          <p:nvCxnSpPr>
+            <p:cNvPr id="1156610425" name="" hidden="0"/>
+            <p:cNvCxnSpPr>
+              <a:cxnSpLocks/>
+            </p:cNvCxnSpPr>
+            <p:nvPr isPhoto="0" userDrawn="0"/>
+          </p:nvCxnSpPr>
+          <p:spPr bwMode="auto">
+            <a:xfrm rot="0" flipH="0" flipV="1">
+              <a:off x="485391" y="1213480"/>
+              <a:ext cx="635405" cy="485389"/>
+            </a:xfrm>
+            <a:prstGeom prst="line">
+              <a:avLst/>
+            </a:prstGeom>
+            <a:ln w="12699" cap="flat" cmpd="sng" algn="ctr">
+              <a:solidFill>
+                <a:schemeClr val="tx1"/>
+              </a:solidFill>
+              <a:prstDash val="solid"/>
+              <a:miter/>
+            </a:ln>
+          </p:spPr>
+          <p:style>
+            <a:lnRef idx="1">
+              <a:schemeClr val="accent1">
+                <a:shade val="50000"/>
+              </a:schemeClr>
+            </a:lnRef>
+            <a:fillRef idx="0">
+              <a:schemeClr val="accent1"/>
+            </a:fillRef>
+            <a:effectRef idx="0">
+              <a:schemeClr val="accent1"/>
+            </a:effectRef>
+            <a:fontRef idx="minor">
+              <a:schemeClr val="tx1"/>
+            </a:fontRef>
+          </p:style>
+        </p:cxnSp>
+        <p:cxnSp>
+          <p:nvCxnSpPr>
+            <p:cNvPr id="225113541" name="" hidden="0"/>
+            <p:cNvCxnSpPr>
+              <a:cxnSpLocks/>
+            </p:cNvCxnSpPr>
+            <p:nvPr isPhoto="0" userDrawn="0"/>
+          </p:nvCxnSpPr>
+          <p:spPr bwMode="auto">
+            <a:xfrm rot="16199934" flipH="0" flipV="0">
+              <a:off x="75005" y="653079"/>
+              <a:ext cx="1456173" cy="635405"/>
+            </a:xfrm>
+            <a:prstGeom prst="line">
+              <a:avLst/>
+            </a:prstGeom>
+            <a:ln w="12699" cap="flat" cmpd="sng" algn="ctr">
+              <a:solidFill>
+                <a:schemeClr val="tx1"/>
+              </a:solidFill>
+              <a:prstDash val="solid"/>
+              <a:miter/>
+            </a:ln>
+          </p:spPr>
+          <p:style>
+            <a:lnRef idx="1">
+              <a:schemeClr val="accent1">
+                <a:shade val="50000"/>
+              </a:schemeClr>
+            </a:lnRef>
+            <a:fillRef idx="0">
+              <a:schemeClr val="accent1"/>
+            </a:fillRef>
+            <a:effectRef idx="0">
+              <a:schemeClr val="accent1"/>
+            </a:effectRef>
+            <a:fontRef idx="minor">
+              <a:schemeClr val="tx1"/>
+            </a:fontRef>
+          </p:style>
+        </p:cxnSp>
+        <p:cxnSp>
+          <p:nvCxnSpPr>
+            <p:cNvPr id="693553649" name="" hidden="0"/>
+            <p:cNvCxnSpPr>
+              <a:cxnSpLocks/>
+            </p:cNvCxnSpPr>
+            <p:nvPr isPhoto="0" userDrawn="0"/>
+          </p:nvCxnSpPr>
+          <p:spPr bwMode="auto">
+            <a:xfrm rot="0" flipH="0" flipV="1">
+              <a:off x="485391" y="242694"/>
+              <a:ext cx="635403" cy="2426958"/>
+            </a:xfrm>
+            <a:prstGeom prst="line">
+              <a:avLst/>
+            </a:prstGeom>
+            <a:ln w="12699" cap="flat" cmpd="sng" algn="ctr">
+              <a:solidFill>
+                <a:schemeClr val="tx1"/>
+              </a:solidFill>
+              <a:prstDash val="solid"/>
+              <a:miter/>
+            </a:ln>
+          </p:spPr>
+          <p:style>
+            <a:lnRef idx="1">
+              <a:schemeClr val="accent1">
+                <a:shade val="50000"/>
+              </a:schemeClr>
+            </a:lnRef>
+            <a:fillRef idx="0">
+              <a:schemeClr val="accent1"/>
+            </a:fillRef>
+            <a:effectRef idx="0">
+              <a:schemeClr val="accent1"/>
+            </a:effectRef>
+            <a:fontRef idx="minor">
+              <a:schemeClr val="tx1"/>
+            </a:fontRef>
+          </p:style>
+        </p:cxnSp>
+        <p:cxnSp>
+          <p:nvCxnSpPr>
+            <p:cNvPr id="1734589571" name="" hidden="0"/>
+            <p:cNvCxnSpPr>
+              <a:cxnSpLocks/>
+            </p:cNvCxnSpPr>
+            <p:nvPr isPhoto="0" userDrawn="0"/>
+          </p:nvCxnSpPr>
+          <p:spPr bwMode="auto">
+            <a:xfrm rot="16199934" flipH="0" flipV="0">
+              <a:off x="75007" y="1623862"/>
+              <a:ext cx="1456173" cy="635405"/>
+            </a:xfrm>
+            <a:prstGeom prst="line">
+              <a:avLst/>
+            </a:prstGeom>
+            <a:ln w="12699" cap="flat" cmpd="sng" algn="ctr">
+              <a:solidFill>
+                <a:schemeClr val="tx1"/>
+              </a:solidFill>
+              <a:prstDash val="solid"/>
+              <a:miter/>
+            </a:ln>
+          </p:spPr>
+          <p:style>
+            <a:lnRef idx="1">
+              <a:schemeClr val="accent1">
+                <a:shade val="50000"/>
+              </a:schemeClr>
+            </a:lnRef>
+            <a:fillRef idx="0">
+              <a:schemeClr val="accent1"/>
+            </a:fillRef>
+            <a:effectRef idx="0">
+              <a:schemeClr val="accent1"/>
+            </a:effectRef>
+            <a:fontRef idx="minor">
+              <a:schemeClr val="tx1"/>
+            </a:fontRef>
+          </p:style>
+        </p:cxnSp>
+        <p:cxnSp>
+          <p:nvCxnSpPr>
+            <p:cNvPr id="700033878" name="" hidden="0"/>
+            <p:cNvCxnSpPr>
+              <a:cxnSpLocks/>
+            </p:cNvCxnSpPr>
+            <p:nvPr isPhoto="0" userDrawn="0"/>
+          </p:nvCxnSpPr>
+          <p:spPr bwMode="auto">
+            <a:xfrm rot="16199934" flipH="0" flipV="0">
+              <a:off x="546894" y="2095750"/>
+              <a:ext cx="512397" cy="635405"/>
+            </a:xfrm>
+            <a:prstGeom prst="line">
+              <a:avLst/>
+            </a:prstGeom>
+            <a:ln w="12699" cap="flat" cmpd="sng" algn="ctr">
+              <a:solidFill>
+                <a:schemeClr val="tx1"/>
+              </a:solidFill>
+              <a:prstDash val="solid"/>
+              <a:miter/>
+            </a:ln>
+          </p:spPr>
+          <p:style>
+            <a:lnRef idx="1">
+              <a:schemeClr val="accent1">
+                <a:shade val="50000"/>
+              </a:schemeClr>
+            </a:lnRef>
+            <a:fillRef idx="0">
+              <a:schemeClr val="accent1"/>
+            </a:fillRef>
+            <a:effectRef idx="0">
+              <a:schemeClr val="accent1"/>
+            </a:effectRef>
+            <a:fontRef idx="minor">
+              <a:schemeClr val="tx1"/>
+            </a:fontRef>
+          </p:style>
+        </p:cxnSp>
+        <p:cxnSp>
+          <p:nvCxnSpPr>
+            <p:cNvPr id="319804655" name="" hidden="0"/>
+            <p:cNvCxnSpPr>
+              <a:cxnSpLocks/>
+            </p:cNvCxnSpPr>
+            <p:nvPr isPhoto="0" userDrawn="0"/>
+          </p:nvCxnSpPr>
+          <p:spPr bwMode="auto">
+            <a:xfrm rot="0" flipH="0" flipV="0">
+              <a:off x="485389" y="2669652"/>
+              <a:ext cx="635405" cy="485391"/>
+            </a:xfrm>
+            <a:prstGeom prst="line">
+              <a:avLst/>
+            </a:prstGeom>
+            <a:ln w="12699" cap="flat" cmpd="sng" algn="ctr">
+              <a:solidFill>
+                <a:schemeClr val="tx1"/>
+              </a:solidFill>
+              <a:prstDash val="solid"/>
+              <a:miter/>
+            </a:ln>
+          </p:spPr>
+          <p:style>
+            <a:lnRef idx="1">
+              <a:schemeClr val="accent1">
+                <a:shade val="50000"/>
+              </a:schemeClr>
+            </a:lnRef>
+            <a:fillRef idx="0">
+              <a:schemeClr val="accent1"/>
+            </a:fillRef>
+            <a:effectRef idx="0">
+              <a:schemeClr val="accent1"/>
+            </a:effectRef>
+            <a:fontRef idx="minor">
+              <a:schemeClr val="tx1"/>
+            </a:fontRef>
+          </p:style>
+        </p:cxnSp>
+        <p:cxnSp>
+          <p:nvCxnSpPr>
+            <p:cNvPr id="1229793478" name="" hidden="0"/>
+            <p:cNvCxnSpPr>
+              <a:cxnSpLocks/>
+            </p:cNvCxnSpPr>
+            <p:nvPr isPhoto="0" userDrawn="0"/>
+          </p:nvCxnSpPr>
+          <p:spPr bwMode="auto">
+            <a:xfrm rot="10799956" flipH="0" flipV="0">
+              <a:off x="1606188" y="242696"/>
+              <a:ext cx="635403" cy="0"/>
+            </a:xfrm>
+            <a:prstGeom prst="line">
+              <a:avLst/>
+            </a:prstGeom>
+            <a:ln w="12699" cap="flat" cmpd="sng" algn="ctr">
+              <a:solidFill>
+                <a:schemeClr val="tx1"/>
+              </a:solidFill>
+              <a:prstDash val="solid"/>
+              <a:miter/>
+            </a:ln>
+          </p:spPr>
+          <p:style>
+            <a:lnRef idx="1">
+              <a:schemeClr val="accent1">
+                <a:shade val="50000"/>
+              </a:schemeClr>
+            </a:lnRef>
+            <a:fillRef idx="0">
+              <a:schemeClr val="accent1"/>
+            </a:fillRef>
+            <a:effectRef idx="0">
+              <a:schemeClr val="accent1"/>
+            </a:effectRef>
+            <a:fontRef idx="minor">
+              <a:schemeClr val="tx1"/>
+            </a:fontRef>
+          </p:style>
+        </p:cxnSp>
+        <p:cxnSp>
+          <p:nvCxnSpPr>
+            <p:cNvPr id="743568073" name="" hidden="0"/>
+            <p:cNvCxnSpPr>
+              <a:cxnSpLocks/>
+            </p:cNvCxnSpPr>
+            <p:nvPr isPhoto="0" userDrawn="0"/>
+          </p:nvCxnSpPr>
+          <p:spPr bwMode="auto">
+            <a:xfrm rot="10799956" flipH="0" flipV="0">
+              <a:off x="1606188" y="242694"/>
+              <a:ext cx="635403" cy="970781"/>
+            </a:xfrm>
+            <a:prstGeom prst="line">
+              <a:avLst/>
+            </a:prstGeom>
+            <a:ln w="12699" cap="flat" cmpd="sng" algn="ctr">
+              <a:solidFill>
+                <a:schemeClr val="tx1"/>
+              </a:solidFill>
+              <a:prstDash val="solid"/>
+              <a:miter/>
+            </a:ln>
+          </p:spPr>
+          <p:style>
+            <a:lnRef idx="1">
+              <a:schemeClr val="accent1">
+                <a:shade val="50000"/>
+              </a:schemeClr>
+            </a:lnRef>
+            <a:fillRef idx="0">
+              <a:schemeClr val="accent1"/>
+            </a:fillRef>
+            <a:effectRef idx="0">
+              <a:schemeClr val="accent1"/>
+            </a:effectRef>
+            <a:fontRef idx="minor">
+              <a:schemeClr val="tx1"/>
+            </a:fontRef>
+          </p:style>
+        </p:cxnSp>
+        <p:cxnSp>
+          <p:nvCxnSpPr>
+            <p:cNvPr id="1315216279" name="" hidden="0"/>
+            <p:cNvCxnSpPr>
+              <a:cxnSpLocks/>
+            </p:cNvCxnSpPr>
+            <p:nvPr isPhoto="0" userDrawn="0"/>
+          </p:nvCxnSpPr>
+          <p:spPr bwMode="auto">
+            <a:xfrm rot="10799956" flipH="0" flipV="0">
+              <a:off x="1606187" y="242694"/>
+              <a:ext cx="635405" cy="1941565"/>
+            </a:xfrm>
+            <a:prstGeom prst="line">
+              <a:avLst/>
+            </a:prstGeom>
+            <a:ln w="12699" cap="flat" cmpd="sng" algn="ctr">
+              <a:solidFill>
+                <a:schemeClr val="tx1"/>
+              </a:solidFill>
+              <a:prstDash val="solid"/>
+              <a:miter/>
+            </a:ln>
+          </p:spPr>
+          <p:style>
+            <a:lnRef idx="1">
+              <a:schemeClr val="accent1">
+                <a:shade val="50000"/>
+              </a:schemeClr>
+            </a:lnRef>
+            <a:fillRef idx="0">
+              <a:schemeClr val="accent1"/>
+            </a:fillRef>
+            <a:effectRef idx="0">
+              <a:schemeClr val="accent1"/>
+            </a:effectRef>
+            <a:fontRef idx="minor">
+              <a:schemeClr val="tx1"/>
+            </a:fontRef>
+          </p:style>
+        </p:cxnSp>
+        <p:cxnSp>
+          <p:nvCxnSpPr>
+            <p:cNvPr id="1962842646" name="" hidden="0"/>
+            <p:cNvCxnSpPr>
+              <a:cxnSpLocks/>
+            </p:cNvCxnSpPr>
+            <p:nvPr isPhoto="0" userDrawn="0"/>
+          </p:nvCxnSpPr>
+          <p:spPr bwMode="auto">
+            <a:xfrm rot="10799956" flipH="0" flipV="0">
+              <a:off x="1606187" y="242694"/>
+              <a:ext cx="635405" cy="2912348"/>
+            </a:xfrm>
+            <a:prstGeom prst="line">
+              <a:avLst/>
+            </a:prstGeom>
+            <a:ln w="12699" cap="flat" cmpd="sng" algn="ctr">
+              <a:solidFill>
+                <a:schemeClr val="tx1"/>
+              </a:solidFill>
+              <a:prstDash val="solid"/>
+              <a:miter/>
+            </a:ln>
+          </p:spPr>
+          <p:style>
+            <a:lnRef idx="1">
+              <a:schemeClr val="accent1">
+                <a:shade val="50000"/>
+              </a:schemeClr>
+            </a:lnRef>
+            <a:fillRef idx="0">
+              <a:schemeClr val="accent1"/>
+            </a:fillRef>
+            <a:effectRef idx="0">
+              <a:schemeClr val="accent1"/>
+            </a:effectRef>
+            <a:fontRef idx="minor">
+              <a:schemeClr val="tx1"/>
+            </a:fontRef>
+          </p:style>
+        </p:cxnSp>
+        <p:cxnSp>
+          <p:nvCxnSpPr>
+            <p:cNvPr id="60383900" name="" hidden="0"/>
+            <p:cNvCxnSpPr>
+              <a:cxnSpLocks/>
+            </p:cNvCxnSpPr>
+            <p:nvPr isPhoto="0" userDrawn="0"/>
+          </p:nvCxnSpPr>
+          <p:spPr bwMode="auto">
+            <a:xfrm rot="16199934" flipH="0" flipV="1">
+              <a:off x="953107" y="1866559"/>
+              <a:ext cx="1941563" cy="635403"/>
+            </a:xfrm>
+            <a:prstGeom prst="line">
+              <a:avLst/>
+            </a:prstGeom>
+            <a:ln w="12699" cap="flat" cmpd="sng" algn="ctr">
+              <a:solidFill>
+                <a:schemeClr val="tx1"/>
+              </a:solidFill>
+              <a:prstDash val="solid"/>
+              <a:miter/>
+            </a:ln>
+          </p:spPr>
+          <p:style>
+            <a:lnRef idx="1">
+              <a:schemeClr val="accent1">
+                <a:shade val="50000"/>
+              </a:schemeClr>
+            </a:lnRef>
+            <a:fillRef idx="0">
+              <a:schemeClr val="accent1"/>
+            </a:fillRef>
+            <a:effectRef idx="0">
+              <a:schemeClr val="accent1"/>
+            </a:effectRef>
+            <a:fontRef idx="minor">
+              <a:schemeClr val="tx1"/>
+            </a:fontRef>
+          </p:style>
+        </p:cxnSp>
+        <p:cxnSp>
+          <p:nvCxnSpPr>
+            <p:cNvPr id="1122554083" name="" hidden="0"/>
+            <p:cNvCxnSpPr>
+              <a:cxnSpLocks/>
+            </p:cNvCxnSpPr>
+            <p:nvPr isPhoto="0" userDrawn="0"/>
+          </p:nvCxnSpPr>
+          <p:spPr bwMode="auto">
+            <a:xfrm rot="16199934" flipH="0" flipV="1">
+              <a:off x="1417841" y="1401825"/>
+              <a:ext cx="1012096" cy="635401"/>
+            </a:xfrm>
+            <a:prstGeom prst="line">
+              <a:avLst/>
+            </a:prstGeom>
+            <a:ln w="12699" cap="flat" cmpd="sng" algn="ctr">
+              <a:solidFill>
+                <a:schemeClr val="tx1"/>
+              </a:solidFill>
+              <a:prstDash val="solid"/>
+              <a:miter/>
+            </a:ln>
+          </p:spPr>
+          <p:style>
+            <a:lnRef idx="1">
+              <a:schemeClr val="accent1">
+                <a:shade val="50000"/>
+              </a:schemeClr>
+            </a:lnRef>
+            <a:fillRef idx="0">
+              <a:schemeClr val="accent1"/>
+            </a:fillRef>
+            <a:effectRef idx="0">
+              <a:schemeClr val="accent1"/>
+            </a:effectRef>
+            <a:fontRef idx="minor">
+              <a:schemeClr val="tx1"/>
+            </a:fontRef>
+          </p:style>
+        </p:cxnSp>
+        <p:cxnSp>
+          <p:nvCxnSpPr>
+            <p:cNvPr id="774041454" name="" hidden="0"/>
+            <p:cNvCxnSpPr>
+              <a:cxnSpLocks/>
+            </p:cNvCxnSpPr>
+            <p:nvPr isPhoto="0" userDrawn="0"/>
+          </p:nvCxnSpPr>
+          <p:spPr bwMode="auto">
+            <a:xfrm rot="16199934" flipH="0" flipV="1">
+              <a:off x="1923888" y="895777"/>
+              <a:ext cx="0" cy="635401"/>
+            </a:xfrm>
+            <a:prstGeom prst="line">
+              <a:avLst/>
+            </a:prstGeom>
+            <a:ln w="12699" cap="flat" cmpd="sng" algn="ctr">
+              <a:solidFill>
+                <a:schemeClr val="tx1"/>
+              </a:solidFill>
+              <a:prstDash val="solid"/>
+              <a:miter/>
+            </a:ln>
+          </p:spPr>
+          <p:style>
+            <a:lnRef idx="1">
+              <a:schemeClr val="accent1">
+                <a:shade val="50000"/>
+              </a:schemeClr>
+            </a:lnRef>
+            <a:fillRef idx="0">
+              <a:schemeClr val="accent1"/>
+            </a:fillRef>
+            <a:effectRef idx="0">
+              <a:schemeClr val="accent1"/>
+            </a:effectRef>
+            <a:fontRef idx="minor">
+              <a:schemeClr val="tx1"/>
+            </a:fontRef>
+          </p:style>
+        </p:cxnSp>
+        <p:cxnSp>
+          <p:nvCxnSpPr>
+            <p:cNvPr id="848830229" name="" hidden="0"/>
+            <p:cNvCxnSpPr>
+              <a:cxnSpLocks/>
+            </p:cNvCxnSpPr>
+            <p:nvPr isPhoto="0" userDrawn="0"/>
+          </p:nvCxnSpPr>
+          <p:spPr bwMode="auto">
+            <a:xfrm rot="16199934" flipH="1" flipV="1">
+              <a:off x="1438498" y="410384"/>
+              <a:ext cx="970781" cy="635405"/>
+            </a:xfrm>
+            <a:prstGeom prst="line">
+              <a:avLst/>
+            </a:prstGeom>
+            <a:ln w="12699" cap="flat" cmpd="sng" algn="ctr">
+              <a:solidFill>
+                <a:schemeClr val="tx1"/>
+              </a:solidFill>
+              <a:prstDash val="solid"/>
+              <a:miter/>
+            </a:ln>
+          </p:spPr>
+          <p:style>
+            <a:lnRef idx="1">
+              <a:schemeClr val="accent1">
+                <a:shade val="50000"/>
+              </a:schemeClr>
+            </a:lnRef>
+            <a:fillRef idx="0">
+              <a:schemeClr val="accent1"/>
+            </a:fillRef>
+            <a:effectRef idx="0">
+              <a:schemeClr val="accent1"/>
+            </a:effectRef>
+            <a:fontRef idx="minor">
+              <a:schemeClr val="tx1"/>
+            </a:fontRef>
+          </p:style>
+        </p:cxnSp>
+        <p:cxnSp>
+          <p:nvCxnSpPr>
+            <p:cNvPr id="1908602203" name="" hidden="0"/>
+            <p:cNvCxnSpPr>
+              <a:cxnSpLocks/>
+            </p:cNvCxnSpPr>
+            <p:nvPr isPhoto="0" userDrawn="0"/>
+          </p:nvCxnSpPr>
+          <p:spPr bwMode="auto">
+            <a:xfrm rot="5399943" flipH="0" flipV="0">
+              <a:off x="953106" y="895777"/>
+              <a:ext cx="1941565" cy="635401"/>
+            </a:xfrm>
+            <a:prstGeom prst="line">
+              <a:avLst/>
+            </a:prstGeom>
+            <a:ln w="12699" cap="flat" cmpd="sng" algn="ctr">
+              <a:solidFill>
+                <a:schemeClr val="tx1"/>
+              </a:solidFill>
+              <a:prstDash val="solid"/>
+              <a:miter/>
+            </a:ln>
+          </p:spPr>
+          <p:style>
+            <a:lnRef idx="1">
+              <a:schemeClr val="accent1">
+                <a:shade val="50000"/>
+              </a:schemeClr>
+            </a:lnRef>
+            <a:fillRef idx="0">
+              <a:schemeClr val="accent1"/>
+            </a:fillRef>
+            <a:effectRef idx="0">
+              <a:schemeClr val="accent1"/>
+            </a:effectRef>
+            <a:fontRef idx="minor">
+              <a:schemeClr val="tx1"/>
+            </a:fontRef>
+          </p:style>
+        </p:cxnSp>
+        <p:cxnSp>
+          <p:nvCxnSpPr>
+            <p:cNvPr id="940821302" name="" hidden="0"/>
+            <p:cNvCxnSpPr>
+              <a:cxnSpLocks/>
+            </p:cNvCxnSpPr>
+            <p:nvPr isPhoto="0" userDrawn="0"/>
+          </p:nvCxnSpPr>
+          <p:spPr bwMode="auto">
+            <a:xfrm rot="0" flipH="1" flipV="0">
+              <a:off x="1606187" y="1213478"/>
+              <a:ext cx="635401" cy="970779"/>
+            </a:xfrm>
+            <a:prstGeom prst="line">
+              <a:avLst/>
+            </a:prstGeom>
+            <a:ln w="12699" cap="flat" cmpd="sng" algn="ctr">
+              <a:solidFill>
+                <a:schemeClr val="tx1"/>
+              </a:solidFill>
+              <a:prstDash val="solid"/>
+              <a:miter/>
+            </a:ln>
+          </p:spPr>
+          <p:style>
+            <a:lnRef idx="1">
+              <a:schemeClr val="accent1">
+                <a:shade val="50000"/>
+              </a:schemeClr>
+            </a:lnRef>
+            <a:fillRef idx="0">
+              <a:schemeClr val="accent1"/>
+            </a:fillRef>
+            <a:effectRef idx="0">
+              <a:schemeClr val="accent1"/>
+            </a:effectRef>
+            <a:fontRef idx="minor">
+              <a:schemeClr val="tx1"/>
+            </a:fontRef>
+          </p:style>
+        </p:cxnSp>
+        <p:cxnSp>
+          <p:nvCxnSpPr>
+            <p:cNvPr id="2038089258" name="" hidden="0"/>
+            <p:cNvCxnSpPr>
+              <a:cxnSpLocks/>
+            </p:cNvCxnSpPr>
+            <p:nvPr isPhoto="0" userDrawn="0"/>
+          </p:nvCxnSpPr>
+          <p:spPr bwMode="auto">
+            <a:xfrm rot="16199934" flipH="0" flipV="1">
+              <a:off x="1923889" y="1866556"/>
+              <a:ext cx="0" cy="635405"/>
+            </a:xfrm>
+            <a:prstGeom prst="line">
+              <a:avLst/>
+            </a:prstGeom>
+            <a:ln w="12699" cap="flat" cmpd="sng" algn="ctr">
+              <a:solidFill>
+                <a:schemeClr val="tx1"/>
+              </a:solidFill>
+              <a:prstDash val="solid"/>
+              <a:miter/>
+            </a:ln>
+          </p:spPr>
+          <p:style>
+            <a:lnRef idx="1">
+              <a:schemeClr val="accent1">
+                <a:shade val="50000"/>
+              </a:schemeClr>
+            </a:lnRef>
+            <a:fillRef idx="0">
+              <a:schemeClr val="accent1"/>
+            </a:fillRef>
+            <a:effectRef idx="0">
+              <a:schemeClr val="accent1"/>
+            </a:effectRef>
+            <a:fontRef idx="minor">
+              <a:schemeClr val="tx1"/>
+            </a:fontRef>
+          </p:style>
+        </p:cxnSp>
+        <p:cxnSp>
+          <p:nvCxnSpPr>
+            <p:cNvPr id="1468832662" name="" hidden="0"/>
+            <p:cNvCxnSpPr>
+              <a:cxnSpLocks/>
+            </p:cNvCxnSpPr>
+            <p:nvPr isPhoto="0" userDrawn="0"/>
+          </p:nvCxnSpPr>
+          <p:spPr bwMode="auto">
+            <a:xfrm rot="0" flipH="1" flipV="1">
+              <a:off x="1606185" y="2184260"/>
+              <a:ext cx="635405" cy="970781"/>
+            </a:xfrm>
+            <a:prstGeom prst="line">
+              <a:avLst/>
+            </a:prstGeom>
+            <a:ln w="12699" cap="flat" cmpd="sng" algn="ctr">
+              <a:solidFill>
+                <a:schemeClr val="tx1"/>
+              </a:solidFill>
+              <a:prstDash val="solid"/>
+              <a:miter/>
+            </a:ln>
+          </p:spPr>
+          <p:style>
+            <a:lnRef idx="1">
+              <a:schemeClr val="accent1">
+                <a:shade val="50000"/>
+              </a:schemeClr>
+            </a:lnRef>
+            <a:fillRef idx="0">
+              <a:schemeClr val="accent1"/>
+            </a:fillRef>
+            <a:effectRef idx="0">
+              <a:schemeClr val="accent1"/>
+            </a:effectRef>
+            <a:fontRef idx="minor">
+              <a:schemeClr val="tx1"/>
+            </a:fontRef>
+          </p:style>
+        </p:cxnSp>
+        <p:cxnSp>
+          <p:nvCxnSpPr>
+            <p:cNvPr id="757143573" name="" hidden="0"/>
+            <p:cNvCxnSpPr>
+              <a:cxnSpLocks/>
+            </p:cNvCxnSpPr>
+            <p:nvPr isPhoto="0" userDrawn="0"/>
+          </p:nvCxnSpPr>
+          <p:spPr bwMode="auto">
+            <a:xfrm rot="10799956" flipH="0" flipV="1">
+              <a:off x="1606188" y="3155043"/>
+              <a:ext cx="635401" cy="0"/>
+            </a:xfrm>
+            <a:prstGeom prst="line">
+              <a:avLst/>
+            </a:prstGeom>
+            <a:ln w="12699" cap="flat" cmpd="sng" algn="ctr">
+              <a:solidFill>
+                <a:schemeClr val="tx1"/>
+              </a:solidFill>
+              <a:prstDash val="solid"/>
+              <a:miter/>
+            </a:ln>
+          </p:spPr>
+          <p:style>
+            <a:lnRef idx="1">
+              <a:schemeClr val="accent1">
+                <a:shade val="50000"/>
+              </a:schemeClr>
+            </a:lnRef>
+            <a:fillRef idx="0">
+              <a:schemeClr val="accent1"/>
+            </a:fillRef>
+            <a:effectRef idx="0">
+              <a:schemeClr val="accent1"/>
+            </a:effectRef>
+            <a:fontRef idx="minor">
+              <a:schemeClr val="tx1"/>
+            </a:fontRef>
+          </p:style>
+        </p:cxnSp>
+        <p:cxnSp>
+          <p:nvCxnSpPr>
+            <p:cNvPr id="1477013960" name="" hidden="0"/>
+            <p:cNvCxnSpPr>
+              <a:cxnSpLocks/>
+            </p:cNvCxnSpPr>
+            <p:nvPr isPhoto="0" userDrawn="0"/>
+          </p:nvCxnSpPr>
+          <p:spPr bwMode="auto">
+            <a:xfrm rot="0" flipH="1" flipV="0">
+              <a:off x="1606188" y="2184260"/>
+              <a:ext cx="635403" cy="970781"/>
+            </a:xfrm>
+            <a:prstGeom prst="line">
+              <a:avLst/>
+            </a:prstGeom>
+            <a:ln w="12699" cap="flat" cmpd="sng" algn="ctr">
+              <a:solidFill>
+                <a:schemeClr val="tx1"/>
+              </a:solidFill>
+              <a:prstDash val="solid"/>
+              <a:miter/>
+            </a:ln>
+          </p:spPr>
+          <p:style>
+            <a:lnRef idx="1">
+              <a:schemeClr val="accent1">
+                <a:shade val="50000"/>
+              </a:schemeClr>
+            </a:lnRef>
+            <a:fillRef idx="0">
+              <a:schemeClr val="accent1"/>
+            </a:fillRef>
+            <a:effectRef idx="0">
+              <a:schemeClr val="accent1"/>
+            </a:effectRef>
+            <a:fontRef idx="minor">
+              <a:schemeClr val="tx1"/>
+            </a:fontRef>
+          </p:style>
+        </p:cxnSp>
+        <p:cxnSp>
+          <p:nvCxnSpPr>
+            <p:cNvPr id="1690802661" name="" hidden="0"/>
+            <p:cNvCxnSpPr>
+              <a:cxnSpLocks/>
+            </p:cNvCxnSpPr>
+            <p:nvPr isPhoto="0" userDrawn="0"/>
+          </p:nvCxnSpPr>
+          <p:spPr bwMode="auto">
+            <a:xfrm rot="5399943" flipH="0" flipV="0">
+              <a:off x="953107" y="1866561"/>
+              <a:ext cx="1941563" cy="635400"/>
+            </a:xfrm>
+            <a:prstGeom prst="line">
+              <a:avLst/>
+            </a:prstGeom>
+            <a:ln w="12699" cap="flat" cmpd="sng" algn="ctr">
+              <a:solidFill>
+                <a:schemeClr val="tx1"/>
+              </a:solidFill>
+              <a:prstDash val="solid"/>
+              <a:miter/>
+            </a:ln>
+          </p:spPr>
+          <p:style>
+            <a:lnRef idx="1">
+              <a:schemeClr val="accent1">
+                <a:shade val="50000"/>
+              </a:schemeClr>
+            </a:lnRef>
+            <a:fillRef idx="0">
+              <a:schemeClr val="accent1"/>
+            </a:fillRef>
+            <a:effectRef idx="0">
+              <a:schemeClr val="accent1"/>
+            </a:effectRef>
+            <a:fontRef idx="minor">
+              <a:schemeClr val="tx1"/>
+            </a:fontRef>
+          </p:style>
+        </p:cxnSp>
+        <p:cxnSp>
+          <p:nvCxnSpPr>
+            <p:cNvPr id="1271347417" name="" hidden="0"/>
+            <p:cNvCxnSpPr>
+              <a:cxnSpLocks/>
+            </p:cNvCxnSpPr>
+            <p:nvPr isPhoto="0" userDrawn="0"/>
+          </p:nvCxnSpPr>
+          <p:spPr bwMode="auto">
+            <a:xfrm rot="10799956" flipH="0" flipV="1">
+              <a:off x="1606188" y="242694"/>
+              <a:ext cx="635401" cy="2912345"/>
+            </a:xfrm>
+            <a:prstGeom prst="line">
+              <a:avLst/>
+            </a:prstGeom>
+            <a:ln w="12699" cap="flat" cmpd="sng" algn="ctr">
+              <a:solidFill>
+                <a:schemeClr val="tx1"/>
+              </a:solidFill>
+              <a:prstDash val="solid"/>
+              <a:miter/>
+            </a:ln>
+          </p:spPr>
+          <p:style>
+            <a:lnRef idx="1">
+              <a:schemeClr val="accent1">
+                <a:shade val="50000"/>
+              </a:schemeClr>
+            </a:lnRef>
+            <a:fillRef idx="0">
+              <a:schemeClr val="accent1"/>
+            </a:fillRef>
+            <a:effectRef idx="0">
+              <a:schemeClr val="accent1"/>
+            </a:effectRef>
+            <a:fontRef idx="minor">
+              <a:schemeClr val="tx1"/>
+            </a:fontRef>
+          </p:style>
+        </p:cxnSp>
+        <p:cxnSp>
+          <p:nvCxnSpPr>
+            <p:cNvPr id="221566447" name="" hidden="0"/>
+            <p:cNvCxnSpPr>
+              <a:cxnSpLocks/>
+            </p:cNvCxnSpPr>
+            <p:nvPr isPhoto="0" userDrawn="0"/>
+          </p:nvCxnSpPr>
+          <p:spPr bwMode="auto">
+            <a:xfrm rot="10799956" flipH="0" flipV="0">
+              <a:off x="2726984" y="242694"/>
+              <a:ext cx="635403" cy="0"/>
+            </a:xfrm>
+            <a:prstGeom prst="line">
+              <a:avLst/>
+            </a:prstGeom>
+            <a:ln w="12699" cap="flat" cmpd="sng" algn="ctr">
+              <a:solidFill>
+                <a:schemeClr val="tx1"/>
+              </a:solidFill>
+              <a:prstDash val="solid"/>
+              <a:miter/>
+            </a:ln>
+          </p:spPr>
+          <p:style>
+            <a:lnRef idx="1">
+              <a:schemeClr val="accent1">
+                <a:shade val="50000"/>
+              </a:schemeClr>
+            </a:lnRef>
+            <a:fillRef idx="0">
+              <a:schemeClr val="accent1"/>
+            </a:fillRef>
+            <a:effectRef idx="0">
+              <a:schemeClr val="accent1"/>
+            </a:effectRef>
+            <a:fontRef idx="minor">
+              <a:schemeClr val="tx1"/>
+            </a:fontRef>
+          </p:style>
+        </p:cxnSp>
+        <p:cxnSp>
+          <p:nvCxnSpPr>
+            <p:cNvPr id="1540309535" name="" hidden="0"/>
+            <p:cNvCxnSpPr>
+              <a:cxnSpLocks/>
+            </p:cNvCxnSpPr>
+            <p:nvPr isPhoto="0" userDrawn="0"/>
+          </p:nvCxnSpPr>
+          <p:spPr bwMode="auto">
+            <a:xfrm rot="10799956" flipH="0" flipV="0">
+              <a:off x="2726984" y="242694"/>
+              <a:ext cx="635403" cy="970779"/>
+            </a:xfrm>
+            <a:prstGeom prst="line">
+              <a:avLst/>
+            </a:prstGeom>
+            <a:ln w="12699" cap="flat" cmpd="sng" algn="ctr">
+              <a:solidFill>
+                <a:schemeClr val="tx1"/>
+              </a:solidFill>
+              <a:prstDash val="solid"/>
+              <a:miter/>
+            </a:ln>
+          </p:spPr>
+          <p:style>
+            <a:lnRef idx="1">
+              <a:schemeClr val="accent1">
+                <a:shade val="50000"/>
+              </a:schemeClr>
+            </a:lnRef>
+            <a:fillRef idx="0">
+              <a:schemeClr val="accent1"/>
+            </a:fillRef>
+            <a:effectRef idx="0">
+              <a:schemeClr val="accent1"/>
+            </a:effectRef>
+            <a:fontRef idx="minor">
+              <a:schemeClr val="tx1"/>
+            </a:fontRef>
+          </p:style>
+        </p:cxnSp>
+        <p:cxnSp>
+          <p:nvCxnSpPr>
+            <p:cNvPr id="391312671" name="" hidden="0"/>
+            <p:cNvCxnSpPr>
+              <a:cxnSpLocks/>
+            </p:cNvCxnSpPr>
+            <p:nvPr isPhoto="0" userDrawn="0"/>
+          </p:nvCxnSpPr>
+          <p:spPr bwMode="auto">
+            <a:xfrm rot="10799956" flipH="0" flipV="0">
+              <a:off x="2726984" y="242694"/>
+              <a:ext cx="635405" cy="1941563"/>
+            </a:xfrm>
+            <a:prstGeom prst="line">
+              <a:avLst/>
+            </a:prstGeom>
+            <a:ln w="12699" cap="flat" cmpd="sng" algn="ctr">
+              <a:solidFill>
+                <a:schemeClr val="tx1"/>
+              </a:solidFill>
+              <a:prstDash val="solid"/>
+              <a:miter/>
+            </a:ln>
+          </p:spPr>
+          <p:style>
+            <a:lnRef idx="1">
+              <a:schemeClr val="accent1">
+                <a:shade val="50000"/>
+              </a:schemeClr>
+            </a:lnRef>
+            <a:fillRef idx="0">
+              <a:schemeClr val="accent1"/>
+            </a:fillRef>
+            <a:effectRef idx="0">
+              <a:schemeClr val="accent1"/>
+            </a:effectRef>
+            <a:fontRef idx="minor">
+              <a:schemeClr val="tx1"/>
+            </a:fontRef>
+          </p:style>
+        </p:cxnSp>
+        <p:cxnSp>
+          <p:nvCxnSpPr>
+            <p:cNvPr id="1135282847" name="" hidden="0"/>
+            <p:cNvCxnSpPr>
+              <a:cxnSpLocks/>
+            </p:cNvCxnSpPr>
+            <p:nvPr isPhoto="0" userDrawn="0"/>
+          </p:nvCxnSpPr>
+          <p:spPr bwMode="auto">
+            <a:xfrm rot="10799956" flipH="0" flipV="0">
+              <a:off x="2726984" y="242694"/>
+              <a:ext cx="635405" cy="2912347"/>
+            </a:xfrm>
+            <a:prstGeom prst="line">
+              <a:avLst/>
+            </a:prstGeom>
+            <a:ln w="12699" cap="flat" cmpd="sng" algn="ctr">
+              <a:solidFill>
+                <a:schemeClr val="tx1"/>
+              </a:solidFill>
+              <a:prstDash val="solid"/>
+              <a:miter/>
+            </a:ln>
+          </p:spPr>
+          <p:style>
+            <a:lnRef idx="1">
+              <a:schemeClr val="accent1">
+                <a:shade val="50000"/>
+              </a:schemeClr>
+            </a:lnRef>
+            <a:fillRef idx="0">
+              <a:schemeClr val="accent1"/>
+            </a:fillRef>
+            <a:effectRef idx="0">
+              <a:schemeClr val="accent1"/>
+            </a:effectRef>
+            <a:fontRef idx="minor">
+              <a:schemeClr val="tx1"/>
+            </a:fontRef>
+          </p:style>
+        </p:cxnSp>
+        <p:cxnSp>
+          <p:nvCxnSpPr>
+            <p:cNvPr id="1276734681" name="" hidden="0"/>
+            <p:cNvCxnSpPr>
+              <a:cxnSpLocks/>
+            </p:cNvCxnSpPr>
+            <p:nvPr isPhoto="0" userDrawn="0"/>
+          </p:nvCxnSpPr>
+          <p:spPr bwMode="auto">
+            <a:xfrm rot="16199934" flipH="0" flipV="1">
+              <a:off x="2073904" y="1866556"/>
+              <a:ext cx="1941563" cy="635401"/>
+            </a:xfrm>
+            <a:prstGeom prst="line">
+              <a:avLst/>
+            </a:prstGeom>
+            <a:ln w="12699" cap="flat" cmpd="sng" algn="ctr">
+              <a:solidFill>
+                <a:schemeClr val="tx1"/>
+              </a:solidFill>
+              <a:prstDash val="solid"/>
+              <a:miter/>
+            </a:ln>
+          </p:spPr>
+          <p:style>
+            <a:lnRef idx="1">
+              <a:schemeClr val="accent1">
+                <a:shade val="50000"/>
+              </a:schemeClr>
+            </a:lnRef>
+            <a:fillRef idx="0">
+              <a:schemeClr val="accent1"/>
+            </a:fillRef>
+            <a:effectRef idx="0">
+              <a:schemeClr val="accent1"/>
+            </a:effectRef>
+            <a:fontRef idx="minor">
+              <a:schemeClr val="tx1"/>
+            </a:fontRef>
+          </p:style>
+        </p:cxnSp>
+        <p:cxnSp>
+          <p:nvCxnSpPr>
+            <p:cNvPr id="424641136" name="" hidden="0"/>
+            <p:cNvCxnSpPr>
+              <a:cxnSpLocks/>
+            </p:cNvCxnSpPr>
+            <p:nvPr isPhoto="0" userDrawn="0"/>
+          </p:nvCxnSpPr>
+          <p:spPr bwMode="auto">
+            <a:xfrm rot="16199934" flipH="0" flipV="1">
+              <a:off x="2538636" y="1401824"/>
+              <a:ext cx="1012096" cy="635401"/>
+            </a:xfrm>
+            <a:prstGeom prst="line">
+              <a:avLst/>
+            </a:prstGeom>
+            <a:ln w="12699" cap="flat" cmpd="sng" algn="ctr">
+              <a:solidFill>
+                <a:schemeClr val="tx1"/>
+              </a:solidFill>
+              <a:prstDash val="solid"/>
+              <a:miter/>
+            </a:ln>
+          </p:spPr>
+          <p:style>
+            <a:lnRef idx="1">
+              <a:schemeClr val="accent1">
+                <a:shade val="50000"/>
+              </a:schemeClr>
+            </a:lnRef>
+            <a:fillRef idx="0">
+              <a:schemeClr val="accent1"/>
+            </a:fillRef>
+            <a:effectRef idx="0">
+              <a:schemeClr val="accent1"/>
+            </a:effectRef>
+            <a:fontRef idx="minor">
+              <a:schemeClr val="tx1"/>
+            </a:fontRef>
+          </p:style>
+        </p:cxnSp>
+        <p:cxnSp>
+          <p:nvCxnSpPr>
+            <p:cNvPr id="1383342184" name="" hidden="0"/>
+            <p:cNvCxnSpPr>
+              <a:cxnSpLocks/>
+            </p:cNvCxnSpPr>
+            <p:nvPr isPhoto="0" userDrawn="0"/>
+          </p:nvCxnSpPr>
+          <p:spPr bwMode="auto">
+            <a:xfrm rot="16199934" flipH="0" flipV="1">
+              <a:off x="3044685" y="895775"/>
+              <a:ext cx="0" cy="635401"/>
+            </a:xfrm>
+            <a:prstGeom prst="line">
+              <a:avLst/>
+            </a:prstGeom>
+            <a:ln w="12699" cap="flat" cmpd="sng" algn="ctr">
+              <a:solidFill>
+                <a:schemeClr val="tx1"/>
+              </a:solidFill>
+              <a:prstDash val="solid"/>
+              <a:miter/>
+            </a:ln>
+          </p:spPr>
+          <p:style>
+            <a:lnRef idx="1">
+              <a:schemeClr val="accent1">
+                <a:shade val="50000"/>
+              </a:schemeClr>
+            </a:lnRef>
+            <a:fillRef idx="0">
+              <a:schemeClr val="accent1"/>
+            </a:fillRef>
+            <a:effectRef idx="0">
+              <a:schemeClr val="accent1"/>
+            </a:effectRef>
+            <a:fontRef idx="minor">
+              <a:schemeClr val="tx1"/>
+            </a:fontRef>
+          </p:style>
+        </p:cxnSp>
+        <p:cxnSp>
+          <p:nvCxnSpPr>
+            <p:cNvPr id="504260091" name="" hidden="0"/>
+            <p:cNvCxnSpPr>
+              <a:cxnSpLocks/>
+            </p:cNvCxnSpPr>
+            <p:nvPr isPhoto="0" userDrawn="0"/>
+          </p:nvCxnSpPr>
+          <p:spPr bwMode="auto">
+            <a:xfrm rot="16199934" flipH="1" flipV="1">
+              <a:off x="2559293" y="410382"/>
+              <a:ext cx="970781" cy="635405"/>
+            </a:xfrm>
+            <a:prstGeom prst="line">
+              <a:avLst/>
+            </a:prstGeom>
+            <a:ln w="12699" cap="flat" cmpd="sng" algn="ctr">
+              <a:solidFill>
+                <a:schemeClr val="tx1"/>
+              </a:solidFill>
+              <a:prstDash val="solid"/>
+              <a:miter/>
+            </a:ln>
+          </p:spPr>
+          <p:style>
+            <a:lnRef idx="1">
+              <a:schemeClr val="accent1">
+                <a:shade val="50000"/>
+              </a:schemeClr>
+            </a:lnRef>
+            <a:fillRef idx="0">
+              <a:schemeClr val="accent1"/>
+            </a:fillRef>
+            <a:effectRef idx="0">
+              <a:schemeClr val="accent1"/>
+            </a:effectRef>
+            <a:fontRef idx="minor">
+              <a:schemeClr val="tx1"/>
+            </a:fontRef>
+          </p:style>
+        </p:cxnSp>
+        <p:cxnSp>
+          <p:nvCxnSpPr>
+            <p:cNvPr id="575656862" name="" hidden="0"/>
+            <p:cNvCxnSpPr>
+              <a:cxnSpLocks/>
+            </p:cNvCxnSpPr>
+            <p:nvPr isPhoto="0" userDrawn="0"/>
+          </p:nvCxnSpPr>
+          <p:spPr bwMode="auto">
+            <a:xfrm rot="5399943" flipH="0" flipV="0">
+              <a:off x="2073901" y="895775"/>
+              <a:ext cx="1941565" cy="635401"/>
+            </a:xfrm>
+            <a:prstGeom prst="line">
+              <a:avLst/>
+            </a:prstGeom>
+            <a:ln w="12699" cap="flat" cmpd="sng" algn="ctr">
+              <a:solidFill>
+                <a:schemeClr val="tx1"/>
+              </a:solidFill>
+              <a:prstDash val="solid"/>
+              <a:miter/>
+            </a:ln>
+          </p:spPr>
+          <p:style>
+            <a:lnRef idx="1">
+              <a:schemeClr val="accent1">
+                <a:shade val="50000"/>
+              </a:schemeClr>
+            </a:lnRef>
+            <a:fillRef idx="0">
+              <a:schemeClr val="accent1"/>
+            </a:fillRef>
+            <a:effectRef idx="0">
+              <a:schemeClr val="accent1"/>
+            </a:effectRef>
+            <a:fontRef idx="minor">
+              <a:schemeClr val="tx1"/>
+            </a:fontRef>
+          </p:style>
+        </p:cxnSp>
+        <p:cxnSp>
+          <p:nvCxnSpPr>
+            <p:cNvPr id="300066915" name="" hidden="0"/>
+            <p:cNvCxnSpPr>
+              <a:cxnSpLocks/>
+            </p:cNvCxnSpPr>
+            <p:nvPr isPhoto="0" userDrawn="0"/>
+          </p:nvCxnSpPr>
+          <p:spPr bwMode="auto">
+            <a:xfrm rot="0" flipH="1" flipV="0">
+              <a:off x="2726982" y="1213476"/>
+              <a:ext cx="635400" cy="970779"/>
+            </a:xfrm>
+            <a:prstGeom prst="line">
+              <a:avLst/>
+            </a:prstGeom>
+            <a:ln w="12699" cap="flat" cmpd="sng" algn="ctr">
+              <a:solidFill>
+                <a:schemeClr val="tx1"/>
+              </a:solidFill>
+              <a:prstDash val="solid"/>
+              <a:miter/>
+            </a:ln>
+          </p:spPr>
+          <p:style>
+            <a:lnRef idx="1">
+              <a:schemeClr val="accent1">
+                <a:shade val="50000"/>
+              </a:schemeClr>
+            </a:lnRef>
+            <a:fillRef idx="0">
+              <a:schemeClr val="accent1"/>
+            </a:fillRef>
+            <a:effectRef idx="0">
+              <a:schemeClr val="accent1"/>
+            </a:effectRef>
+            <a:fontRef idx="minor">
+              <a:schemeClr val="tx1"/>
+            </a:fontRef>
+          </p:style>
+        </p:cxnSp>
+        <p:cxnSp>
+          <p:nvCxnSpPr>
+            <p:cNvPr id="1336057744" name="" hidden="0"/>
+            <p:cNvCxnSpPr>
+              <a:cxnSpLocks/>
+            </p:cNvCxnSpPr>
+            <p:nvPr isPhoto="0" userDrawn="0"/>
+          </p:nvCxnSpPr>
+          <p:spPr bwMode="auto">
+            <a:xfrm rot="16199934" flipH="0" flipV="1">
+              <a:off x="3044685" y="1866556"/>
+              <a:ext cx="0" cy="635405"/>
+            </a:xfrm>
+            <a:prstGeom prst="line">
+              <a:avLst/>
+            </a:prstGeom>
+            <a:ln w="12699" cap="flat" cmpd="sng" algn="ctr">
+              <a:solidFill>
+                <a:schemeClr val="tx1"/>
+              </a:solidFill>
+              <a:prstDash val="solid"/>
+              <a:miter/>
+            </a:ln>
+          </p:spPr>
+          <p:style>
+            <a:lnRef idx="1">
+              <a:schemeClr val="accent1">
+                <a:shade val="50000"/>
+              </a:schemeClr>
+            </a:lnRef>
+            <a:fillRef idx="0">
+              <a:schemeClr val="accent1"/>
+            </a:fillRef>
+            <a:effectRef idx="0">
+              <a:schemeClr val="accent1"/>
+            </a:effectRef>
+            <a:fontRef idx="minor">
+              <a:schemeClr val="tx1"/>
+            </a:fontRef>
+          </p:style>
+        </p:cxnSp>
+        <p:cxnSp>
+          <p:nvCxnSpPr>
+            <p:cNvPr id="848773004" name="" hidden="0"/>
+            <p:cNvCxnSpPr>
+              <a:cxnSpLocks/>
+            </p:cNvCxnSpPr>
+            <p:nvPr isPhoto="0" userDrawn="0"/>
+          </p:nvCxnSpPr>
+          <p:spPr bwMode="auto">
+            <a:xfrm rot="0" flipH="1" flipV="1">
+              <a:off x="2726982" y="2184258"/>
+              <a:ext cx="635405" cy="970781"/>
+            </a:xfrm>
+            <a:prstGeom prst="line">
+              <a:avLst/>
+            </a:prstGeom>
+            <a:ln w="12699" cap="flat" cmpd="sng" algn="ctr">
+              <a:solidFill>
+                <a:schemeClr val="tx1"/>
+              </a:solidFill>
+              <a:prstDash val="solid"/>
+              <a:miter/>
+            </a:ln>
+          </p:spPr>
+          <p:style>
+            <a:lnRef idx="1">
+              <a:schemeClr val="accent1">
+                <a:shade val="50000"/>
+              </a:schemeClr>
+            </a:lnRef>
+            <a:fillRef idx="0">
+              <a:schemeClr val="accent1"/>
+            </a:fillRef>
+            <a:effectRef idx="0">
+              <a:schemeClr val="accent1"/>
+            </a:effectRef>
+            <a:fontRef idx="minor">
+              <a:schemeClr val="tx1"/>
+            </a:fontRef>
+          </p:style>
+        </p:cxnSp>
+        <p:cxnSp>
+          <p:nvCxnSpPr>
+            <p:cNvPr id="711837595" name="" hidden="0"/>
+            <p:cNvCxnSpPr>
+              <a:cxnSpLocks/>
+            </p:cNvCxnSpPr>
+            <p:nvPr isPhoto="0" userDrawn="0"/>
+          </p:nvCxnSpPr>
+          <p:spPr bwMode="auto">
+            <a:xfrm rot="10799956" flipH="0" flipV="1">
+              <a:off x="2726984" y="3155043"/>
+              <a:ext cx="635400" cy="0"/>
+            </a:xfrm>
+            <a:prstGeom prst="line">
+              <a:avLst/>
+            </a:prstGeom>
+            <a:ln w="12699" cap="flat" cmpd="sng" algn="ctr">
+              <a:solidFill>
+                <a:schemeClr val="tx1"/>
+              </a:solidFill>
+              <a:prstDash val="solid"/>
+              <a:miter/>
+            </a:ln>
+          </p:spPr>
+          <p:style>
+            <a:lnRef idx="1">
+              <a:schemeClr val="accent1">
+                <a:shade val="50000"/>
+              </a:schemeClr>
+            </a:lnRef>
+            <a:fillRef idx="0">
+              <a:schemeClr val="accent1"/>
+            </a:fillRef>
+            <a:effectRef idx="0">
+              <a:schemeClr val="accent1"/>
+            </a:effectRef>
+            <a:fontRef idx="minor">
+              <a:schemeClr val="tx1"/>
+            </a:fontRef>
+          </p:style>
+        </p:cxnSp>
+        <p:cxnSp>
+          <p:nvCxnSpPr>
+            <p:cNvPr id="1471652141" name="" hidden="0"/>
+            <p:cNvCxnSpPr>
+              <a:cxnSpLocks/>
+            </p:cNvCxnSpPr>
+            <p:nvPr isPhoto="0" userDrawn="0"/>
+          </p:nvCxnSpPr>
+          <p:spPr bwMode="auto">
+            <a:xfrm rot="0" flipH="1" flipV="0">
+              <a:off x="2726984" y="2184258"/>
+              <a:ext cx="635403" cy="970781"/>
+            </a:xfrm>
+            <a:prstGeom prst="line">
+              <a:avLst/>
+            </a:prstGeom>
+            <a:ln w="12699" cap="flat" cmpd="sng" algn="ctr">
+              <a:solidFill>
+                <a:schemeClr val="tx1"/>
+              </a:solidFill>
+              <a:prstDash val="solid"/>
+              <a:miter/>
+            </a:ln>
+          </p:spPr>
+          <p:style>
+            <a:lnRef idx="1">
+              <a:schemeClr val="accent1">
+                <a:shade val="50000"/>
+              </a:schemeClr>
+            </a:lnRef>
+            <a:fillRef idx="0">
+              <a:schemeClr val="accent1"/>
+            </a:fillRef>
+            <a:effectRef idx="0">
+              <a:schemeClr val="accent1"/>
+            </a:effectRef>
+            <a:fontRef idx="minor">
+              <a:schemeClr val="tx1"/>
+            </a:fontRef>
+          </p:style>
+        </p:cxnSp>
+        <p:cxnSp>
+          <p:nvCxnSpPr>
+            <p:cNvPr id="1816037976" name="" hidden="0"/>
+            <p:cNvCxnSpPr>
+              <a:cxnSpLocks/>
+            </p:cNvCxnSpPr>
+            <p:nvPr isPhoto="0" userDrawn="0"/>
+          </p:nvCxnSpPr>
+          <p:spPr bwMode="auto">
+            <a:xfrm rot="5399943" flipH="0" flipV="0">
+              <a:off x="2073903" y="1866556"/>
+              <a:ext cx="1941563" cy="635398"/>
+            </a:xfrm>
+            <a:prstGeom prst="line">
+              <a:avLst/>
+            </a:prstGeom>
+            <a:ln w="12699" cap="flat" cmpd="sng" algn="ctr">
+              <a:solidFill>
+                <a:schemeClr val="tx1"/>
+              </a:solidFill>
+              <a:prstDash val="solid"/>
+              <a:miter/>
+            </a:ln>
+          </p:spPr>
+          <p:style>
+            <a:lnRef idx="1">
+              <a:schemeClr val="accent1">
+                <a:shade val="50000"/>
+              </a:schemeClr>
+            </a:lnRef>
+            <a:fillRef idx="0">
+              <a:schemeClr val="accent1"/>
+            </a:fillRef>
+            <a:effectRef idx="0">
+              <a:schemeClr val="accent1"/>
+            </a:effectRef>
+            <a:fontRef idx="minor">
+              <a:schemeClr val="tx1"/>
+            </a:fontRef>
+          </p:style>
+        </p:cxnSp>
+        <p:cxnSp>
+          <p:nvCxnSpPr>
+            <p:cNvPr id="906647365" name="" hidden="0"/>
+            <p:cNvCxnSpPr>
+              <a:cxnSpLocks/>
+            </p:cNvCxnSpPr>
+            <p:nvPr isPhoto="0" userDrawn="0"/>
+          </p:nvCxnSpPr>
+          <p:spPr bwMode="auto">
+            <a:xfrm rot="10799956" flipH="0" flipV="1">
+              <a:off x="2726984" y="242691"/>
+              <a:ext cx="635401" cy="2912345"/>
+            </a:xfrm>
+            <a:prstGeom prst="line">
+              <a:avLst/>
+            </a:prstGeom>
+            <a:ln w="12699" cap="flat" cmpd="sng" algn="ctr">
+              <a:solidFill>
+                <a:schemeClr val="tx1"/>
+              </a:solidFill>
+              <a:prstDash val="solid"/>
+              <a:miter/>
+            </a:ln>
+          </p:spPr>
+          <p:style>
+            <a:lnRef idx="1">
+              <a:schemeClr val="accent1">
+                <a:shade val="50000"/>
+              </a:schemeClr>
+            </a:lnRef>
+            <a:fillRef idx="0">
+              <a:schemeClr val="accent1"/>
+            </a:fillRef>
+            <a:effectRef idx="0">
+              <a:schemeClr val="accent1"/>
+            </a:effectRef>
+            <a:fontRef idx="minor">
+              <a:schemeClr val="tx1"/>
+            </a:fontRef>
+          </p:style>
+        </p:cxnSp>
+        <p:cxnSp>
+          <p:nvCxnSpPr>
+            <p:cNvPr id="1405928963" name="" hidden="0"/>
+            <p:cNvCxnSpPr>
+              <a:cxnSpLocks/>
+            </p:cNvCxnSpPr>
+            <p:nvPr isPhoto="0" userDrawn="0"/>
+          </p:nvCxnSpPr>
+          <p:spPr bwMode="auto">
+            <a:xfrm rot="10799956" flipH="0" flipV="0">
+              <a:off x="3863827" y="242696"/>
+              <a:ext cx="640811" cy="970781"/>
+            </a:xfrm>
+            <a:prstGeom prst="line">
+              <a:avLst/>
+            </a:prstGeom>
+            <a:ln w="12699" cap="flat" cmpd="sng" algn="ctr">
+              <a:solidFill>
+                <a:schemeClr val="tx1"/>
+              </a:solidFill>
+              <a:prstDash val="solid"/>
+              <a:miter/>
+            </a:ln>
+          </p:spPr>
+          <p:style>
+            <a:lnRef idx="1">
+              <a:schemeClr val="accent1">
+                <a:shade val="50000"/>
+              </a:schemeClr>
+            </a:lnRef>
+            <a:fillRef idx="0">
+              <a:schemeClr val="accent1"/>
+            </a:fillRef>
+            <a:effectRef idx="0">
+              <a:schemeClr val="accent1"/>
+            </a:effectRef>
+            <a:fontRef idx="minor">
+              <a:schemeClr val="tx1"/>
+            </a:fontRef>
+          </p:style>
+        </p:cxnSp>
+        <p:cxnSp>
+          <p:nvCxnSpPr>
+            <p:cNvPr id="987756180" name="" hidden="0"/>
+            <p:cNvCxnSpPr>
+              <a:cxnSpLocks/>
+            </p:cNvCxnSpPr>
+            <p:nvPr isPhoto="0" userDrawn="0"/>
+          </p:nvCxnSpPr>
+          <p:spPr bwMode="auto">
+            <a:xfrm rot="10799956" flipH="0" flipV="0">
+              <a:off x="3863826" y="242694"/>
+              <a:ext cx="640813" cy="1941565"/>
+            </a:xfrm>
+            <a:prstGeom prst="line">
+              <a:avLst/>
+            </a:prstGeom>
+            <a:ln w="12699" cap="flat" cmpd="sng" algn="ctr">
+              <a:solidFill>
+                <a:schemeClr val="tx1"/>
+              </a:solidFill>
+              <a:prstDash val="solid"/>
+              <a:miter/>
+            </a:ln>
+          </p:spPr>
+          <p:style>
+            <a:lnRef idx="1">
+              <a:schemeClr val="accent1">
+                <a:shade val="50000"/>
+              </a:schemeClr>
+            </a:lnRef>
+            <a:fillRef idx="0">
+              <a:schemeClr val="accent1"/>
+            </a:fillRef>
+            <a:effectRef idx="0">
+              <a:schemeClr val="accent1"/>
+            </a:effectRef>
+            <a:fontRef idx="minor">
+              <a:schemeClr val="tx1"/>
+            </a:fontRef>
+          </p:style>
+        </p:cxnSp>
+        <p:cxnSp>
+          <p:nvCxnSpPr>
+            <p:cNvPr id="775767942" name="" hidden="0"/>
+            <p:cNvCxnSpPr>
+              <a:cxnSpLocks/>
+            </p:cNvCxnSpPr>
+            <p:nvPr isPhoto="0" userDrawn="0"/>
+          </p:nvCxnSpPr>
+          <p:spPr bwMode="auto">
+            <a:xfrm rot="16199934" flipH="0" flipV="1">
+              <a:off x="3698842" y="1378463"/>
+              <a:ext cx="970779" cy="640811"/>
+            </a:xfrm>
+            <a:prstGeom prst="line">
+              <a:avLst/>
+            </a:prstGeom>
+            <a:ln w="12699" cap="flat" cmpd="sng" algn="ctr">
+              <a:solidFill>
+                <a:schemeClr val="tx1"/>
+              </a:solidFill>
+              <a:prstDash val="solid"/>
+              <a:miter/>
+            </a:ln>
+          </p:spPr>
+          <p:style>
+            <a:lnRef idx="1">
+              <a:schemeClr val="accent1">
+                <a:shade val="50000"/>
+              </a:schemeClr>
+            </a:lnRef>
+            <a:fillRef idx="0">
+              <a:schemeClr val="accent1"/>
+            </a:fillRef>
+            <a:effectRef idx="0">
+              <a:schemeClr val="accent1"/>
+            </a:effectRef>
+            <a:fontRef idx="minor">
+              <a:schemeClr val="tx1"/>
+            </a:fontRef>
+          </p:style>
+        </p:cxnSp>
+        <p:cxnSp>
+          <p:nvCxnSpPr>
+            <p:cNvPr id="1131998350" name="" hidden="0"/>
+            <p:cNvCxnSpPr>
+              <a:cxnSpLocks/>
+            </p:cNvCxnSpPr>
+            <p:nvPr isPhoto="0" userDrawn="0"/>
+          </p:nvCxnSpPr>
+          <p:spPr bwMode="auto">
+            <a:xfrm rot="10799956" flipH="0" flipV="1">
+              <a:off x="3863827" y="2184260"/>
+              <a:ext cx="640811" cy="0"/>
+            </a:xfrm>
+            <a:prstGeom prst="line">
+              <a:avLst/>
+            </a:prstGeom>
+            <a:ln w="12699" cap="flat" cmpd="sng" algn="ctr">
+              <a:solidFill>
+                <a:schemeClr val="tx1"/>
+              </a:solidFill>
+              <a:prstDash val="solid"/>
+              <a:miter/>
+            </a:ln>
+          </p:spPr>
+          <p:style>
+            <a:lnRef idx="1">
+              <a:schemeClr val="accent1">
+                <a:shade val="50000"/>
+              </a:schemeClr>
+            </a:lnRef>
+            <a:fillRef idx="0">
+              <a:schemeClr val="accent1"/>
+            </a:fillRef>
+            <a:effectRef idx="0">
+              <a:schemeClr val="accent1"/>
+            </a:effectRef>
+            <a:fontRef idx="minor">
+              <a:schemeClr val="tx1"/>
+            </a:fontRef>
+          </p:style>
+        </p:cxnSp>
+        <p:cxnSp>
+          <p:nvCxnSpPr>
+            <p:cNvPr id="1809575115" name="" hidden="0"/>
+            <p:cNvCxnSpPr>
+              <a:cxnSpLocks/>
+            </p:cNvCxnSpPr>
+            <p:nvPr isPhoto="0" userDrawn="0"/>
+          </p:nvCxnSpPr>
+          <p:spPr bwMode="auto">
+            <a:xfrm rot="5399943" flipH="0" flipV="0">
+              <a:off x="3698840" y="2349246"/>
+              <a:ext cx="970783" cy="640810"/>
+            </a:xfrm>
+            <a:prstGeom prst="line">
+              <a:avLst/>
+            </a:prstGeom>
+            <a:ln w="12699" cap="flat" cmpd="sng" algn="ctr">
+              <a:solidFill>
+                <a:schemeClr val="tx1"/>
+              </a:solidFill>
+              <a:prstDash val="solid"/>
+              <a:miter/>
+            </a:ln>
+          </p:spPr>
+          <p:style>
+            <a:lnRef idx="1">
+              <a:schemeClr val="accent1">
+                <a:shade val="50000"/>
+              </a:schemeClr>
+            </a:lnRef>
+            <a:fillRef idx="0">
+              <a:schemeClr val="accent1"/>
+            </a:fillRef>
+            <a:effectRef idx="0">
+              <a:schemeClr val="accent1"/>
+            </a:effectRef>
+            <a:fontRef idx="minor">
+              <a:schemeClr val="tx1"/>
+            </a:fontRef>
+          </p:style>
+        </p:cxnSp>
+        <p:cxnSp>
+          <p:nvCxnSpPr>
+            <p:cNvPr id="1416468440" name="" hidden="0"/>
+            <p:cNvCxnSpPr>
+              <a:cxnSpLocks/>
+            </p:cNvCxnSpPr>
+            <p:nvPr isPhoto="0" userDrawn="0"/>
+          </p:nvCxnSpPr>
+          <p:spPr bwMode="auto">
+            <a:xfrm rot="10799956" flipH="0" flipV="1">
+              <a:off x="3863827" y="1213478"/>
+              <a:ext cx="640811" cy="0"/>
+            </a:xfrm>
+            <a:prstGeom prst="line">
+              <a:avLst/>
+            </a:prstGeom>
+            <a:ln w="12699" cap="flat" cmpd="sng" algn="ctr">
+              <a:solidFill>
+                <a:schemeClr val="tx1"/>
+              </a:solidFill>
+              <a:prstDash val="solid"/>
+              <a:miter/>
+            </a:ln>
+          </p:spPr>
+          <p:style>
+            <a:lnRef idx="1">
+              <a:schemeClr val="accent1">
+                <a:shade val="50000"/>
+              </a:schemeClr>
+            </a:lnRef>
+            <a:fillRef idx="0">
+              <a:schemeClr val="accent1"/>
+            </a:fillRef>
+            <a:effectRef idx="0">
+              <a:schemeClr val="accent1"/>
+            </a:effectRef>
+            <a:fontRef idx="minor">
+              <a:schemeClr val="tx1"/>
+            </a:fontRef>
+          </p:style>
+        </p:cxnSp>
+        <p:cxnSp>
+          <p:nvCxnSpPr>
+            <p:cNvPr id="1993552193" name="" hidden="0"/>
+            <p:cNvCxnSpPr>
+              <a:cxnSpLocks/>
+            </p:cNvCxnSpPr>
+            <p:nvPr isPhoto="0" userDrawn="0"/>
+          </p:nvCxnSpPr>
+          <p:spPr bwMode="auto">
+            <a:xfrm rot="5399943" flipH="0" flipV="0">
+              <a:off x="3698842" y="1378461"/>
+              <a:ext cx="970778" cy="640811"/>
+            </a:xfrm>
+            <a:prstGeom prst="line">
+              <a:avLst/>
+            </a:prstGeom>
+            <a:ln w="12699" cap="flat" cmpd="sng" algn="ctr">
+              <a:solidFill>
+                <a:schemeClr val="tx1"/>
+              </a:solidFill>
+              <a:prstDash val="solid"/>
+              <a:miter/>
+            </a:ln>
+          </p:spPr>
+          <p:style>
+            <a:lnRef idx="1">
+              <a:schemeClr val="accent1">
+                <a:shade val="50000"/>
+              </a:schemeClr>
+            </a:lnRef>
+            <a:fillRef idx="0">
+              <a:schemeClr val="accent1"/>
+            </a:fillRef>
+            <a:effectRef idx="0">
+              <a:schemeClr val="accent1"/>
+            </a:effectRef>
+            <a:fontRef idx="minor">
+              <a:schemeClr val="tx1"/>
+            </a:fontRef>
+          </p:style>
+        </p:cxnSp>
+      </p:grpSp>
+      <p:sp>
+        <p:nvSpPr>
+          <p:cNvPr id="339859525" name="" hidden="0"/>
+          <p:cNvSpPr txBox="1"/>
+          <p:nvPr isPhoto="0" userDrawn="0"/>
+        </p:nvSpPr>
+        <p:spPr bwMode="auto">
+          <a:xfrm flipH="0" flipV="0">
+            <a:off x="638807" y="1677798"/>
+            <a:ext cx="1259140" cy="304835"/>
+          </a:xfrm>
+          <a:prstGeom prst="rect">
+            <a:avLst/>
+          </a:prstGeom>
+          <a:noFill/>
+        </p:spPr>
+        <p:txBody>
+          <a:bodyPr vertOverflow="overflow" horzOverflow="clip" vert="horz" wrap="square" lIns="91440" tIns="45720" rIns="91440" bIns="45720" numCol="1" spcCol="0" rtlCol="0" fromWordArt="0" anchor="t" anchorCtr="0" forceAA="0" upright="0" compatLnSpc="0">
+            <a:spAutoFit/>
+          </a:bodyPr>
+          <a:p>
+            <a:pPr algn="ctr">
+              <a:defRPr/>
+            </a:pPr>
+            <a:r>
+              <a:rPr sz="1400"/>
+              <a:t>Input_Type1</a:t>
+            </a:r>
+            <a:endParaRPr sz="1400"/>
+          </a:p>
+        </p:txBody>
+      </p:sp>
+      <p:sp>
+        <p:nvSpPr>
+          <p:cNvPr id="1343310432" name="" hidden="0"/>
+          <p:cNvSpPr txBox="1"/>
+          <p:nvPr isPhoto="0" userDrawn="0"/>
+        </p:nvSpPr>
+        <p:spPr bwMode="auto">
+          <a:xfrm flipH="0" flipV="0">
+            <a:off x="638806" y="2695926"/>
+            <a:ext cx="1259247" cy="304835"/>
+          </a:xfrm>
+          <a:prstGeom prst="rect">
+            <a:avLst/>
+          </a:prstGeom>
+          <a:noFill/>
+        </p:spPr>
+        <p:txBody>
+          <a:bodyPr vertOverflow="overflow" horzOverflow="clip" vert="horz" wrap="square" lIns="91440" tIns="45720" rIns="91440" bIns="45720" numCol="1" spcCol="0" rtlCol="0" fromWordArt="0" anchor="t" anchorCtr="0" forceAA="0" upright="0" compatLnSpc="0">
+            <a:spAutoFit/>
+          </a:bodyPr>
+          <a:p>
+            <a:pPr algn="ctr">
+              <a:defRPr/>
+            </a:pPr>
+            <a:r>
+              <a:rPr sz="1400"/>
+              <a:t>Input_Type2</a:t>
+            </a:r>
+            <a:endParaRPr sz="1400"/>
+          </a:p>
+        </p:txBody>
+      </p:sp>
+      <p:sp>
+        <p:nvSpPr>
+          <p:cNvPr id="1434457388" name="" hidden="0"/>
+          <p:cNvSpPr txBox="1"/>
+          <p:nvPr isPhoto="0" userDrawn="0"/>
+        </p:nvSpPr>
+        <p:spPr bwMode="auto">
+          <a:xfrm flipH="0" flipV="0">
+            <a:off x="638807" y="3646050"/>
+            <a:ext cx="1259247" cy="304835"/>
+          </a:xfrm>
+          <a:prstGeom prst="rect">
+            <a:avLst/>
+          </a:prstGeom>
+          <a:noFill/>
+        </p:spPr>
+        <p:txBody>
+          <a:bodyPr vertOverflow="overflow" horzOverflow="clip" vert="horz" wrap="square" lIns="91440" tIns="45720" rIns="91440" bIns="45720" numCol="1" spcCol="0" rtlCol="0" fromWordArt="0" anchor="t" anchorCtr="0" forceAA="0" upright="0" compatLnSpc="0">
+            <a:spAutoFit/>
+          </a:bodyPr>
+          <a:p>
+            <a:pPr algn="ctr">
+              <a:defRPr/>
+            </a:pPr>
+            <a:r>
+              <a:rPr sz="1400"/>
+              <a:t>Input_Type3</a:t>
+            </a:r>
+            <a:endParaRPr sz="1400"/>
+          </a:p>
+        </p:txBody>
+      </p:sp>
+      <p:sp>
+        <p:nvSpPr>
+          <p:cNvPr id="1905085269" name="" hidden="0"/>
+          <p:cNvSpPr txBox="1"/>
+          <p:nvPr isPhoto="0" userDrawn="0"/>
+        </p:nvSpPr>
+        <p:spPr bwMode="auto">
+          <a:xfrm flipH="0" flipV="0">
+            <a:off x="7236398" y="2189872"/>
+            <a:ext cx="1319590" cy="304835"/>
+          </a:xfrm>
+          <a:prstGeom prst="rect">
+            <a:avLst/>
+          </a:prstGeom>
+          <a:noFill/>
+        </p:spPr>
+        <p:txBody>
+          <a:bodyPr vertOverflow="overflow" horzOverflow="clip" vert="horz" wrap="square" lIns="91440" tIns="45720" rIns="91440" bIns="45720" numCol="1" spcCol="0" rtlCol="0" fromWordArt="0" anchor="t" anchorCtr="0" forceAA="0" upright="0" compatLnSpc="0">
+            <a:spAutoFit/>
+          </a:bodyPr>
+          <a:p>
+            <a:pPr algn="ctr">
+              <a:defRPr/>
+            </a:pPr>
+            <a:r>
+              <a:rPr lang="en-GB" sz="1400"/>
+              <a:t>Output</a:t>
+            </a:r>
+            <a:r>
+              <a:rPr sz="1400"/>
+              <a:t>_Type1</a:t>
+            </a:r>
+            <a:endParaRPr sz="1400"/>
+          </a:p>
+        </p:txBody>
+      </p:sp>
+      <p:sp>
+        <p:nvSpPr>
+          <p:cNvPr id="559107117" name="" hidden="0"/>
+          <p:cNvSpPr txBox="1"/>
+          <p:nvPr isPhoto="0" userDrawn="0"/>
+        </p:nvSpPr>
+        <p:spPr bwMode="auto">
+          <a:xfrm flipH="0" flipV="0">
+            <a:off x="7227660" y="3160664"/>
+            <a:ext cx="1337067" cy="304835"/>
+          </a:xfrm>
+          <a:prstGeom prst="rect">
+            <a:avLst/>
+          </a:prstGeom>
+          <a:noFill/>
+        </p:spPr>
+        <p:txBody>
+          <a:bodyPr vertOverflow="overflow" horzOverflow="clip" vert="horz" wrap="square" lIns="91440" tIns="45720" rIns="91440" bIns="45720" numCol="1" spcCol="0" rtlCol="0" fromWordArt="0" anchor="t" anchorCtr="0" forceAA="0" upright="0" compatLnSpc="0">
+            <a:spAutoFit/>
+          </a:bodyPr>
+          <a:p>
+            <a:pPr algn="ctr">
+              <a:defRPr/>
+            </a:pPr>
+            <a:r>
+              <a:rPr lang="en-GB" sz="1400"/>
+              <a:t>Output</a:t>
+            </a:r>
+            <a:r>
+              <a:rPr sz="1400"/>
+              <a:t>_Type2</a:t>
+            </a:r>
+            <a:endParaRPr sz="1400"/>
+          </a:p>
+        </p:txBody>
+      </p:sp>
+      <p:sp>
+        <p:nvSpPr>
+          <p:cNvPr id="161952539" name="" hidden="0"/>
+          <p:cNvSpPr txBox="1"/>
+          <p:nvPr isPhoto="0" userDrawn="0"/>
+        </p:nvSpPr>
+        <p:spPr bwMode="auto">
+          <a:xfrm flipH="0" flipV="0">
+            <a:off x="2965416" y="699082"/>
+            <a:ext cx="872833" cy="304835"/>
+          </a:xfrm>
+          <a:prstGeom prst="rect">
+            <a:avLst/>
+          </a:prstGeom>
+          <a:noFill/>
+        </p:spPr>
+        <p:txBody>
+          <a:bodyPr vertOverflow="overflow" horzOverflow="clip" vert="horz" wrap="square" lIns="91440" tIns="45720" rIns="91440" bIns="45720" numCol="1" spcCol="0" rtlCol="0" fromWordArt="0" anchor="t" anchorCtr="0" forceAA="0" upright="0" compatLnSpc="0">
+            <a:spAutoFit/>
+          </a:bodyPr>
+          <a:p>
+            <a:pPr algn="ctr">
+              <a:defRPr/>
+            </a:pPr>
+            <a:r>
+              <a:rPr sz="1400"/>
+              <a:t>Layer1</a:t>
+            </a:r>
+            <a:endParaRPr sz="1400"/>
+          </a:p>
+        </p:txBody>
+      </p:sp>
+      <p:sp>
+        <p:nvSpPr>
+          <p:cNvPr id="2031248564" name="" hidden="0"/>
+          <p:cNvSpPr txBox="1"/>
+          <p:nvPr isPhoto="0" userDrawn="0"/>
+        </p:nvSpPr>
+        <p:spPr bwMode="auto">
+          <a:xfrm flipH="0" flipV="0">
+            <a:off x="5223037" y="699081"/>
+            <a:ext cx="872940" cy="304835"/>
+          </a:xfrm>
+          <a:prstGeom prst="rect">
+            <a:avLst/>
+          </a:prstGeom>
+          <a:noFill/>
+        </p:spPr>
+        <p:txBody>
+          <a:bodyPr vertOverflow="overflow" horzOverflow="clip" vert="horz" wrap="square" lIns="91440" tIns="45720" rIns="91440" bIns="45720" numCol="1" spcCol="0" rtlCol="0" fromWordArt="0" anchor="t" anchorCtr="0" forceAA="0" upright="0" compatLnSpc="0">
+            <a:spAutoFit/>
+          </a:bodyPr>
+          <a:p>
+            <a:pPr algn="ctr">
+              <a:defRPr/>
+            </a:pPr>
+            <a:r>
+              <a:rPr sz="1400"/>
+              <a:t>Layer3</a:t>
+            </a:r>
+            <a:endParaRPr sz="1400"/>
+          </a:p>
+        </p:txBody>
+      </p:sp>
+      <p:sp>
+        <p:nvSpPr>
+          <p:cNvPr id="422165988" name="" hidden="0"/>
+          <p:cNvSpPr txBox="1"/>
+          <p:nvPr isPhoto="0" userDrawn="0"/>
+        </p:nvSpPr>
+        <p:spPr bwMode="auto">
+          <a:xfrm flipH="0" flipV="0">
+            <a:off x="4086176" y="699082"/>
+            <a:ext cx="872976" cy="304835"/>
+          </a:xfrm>
+          <a:prstGeom prst="rect">
+            <a:avLst/>
+          </a:prstGeom>
+          <a:noFill/>
+        </p:spPr>
+        <p:txBody>
+          <a:bodyPr vertOverflow="overflow" horzOverflow="clip" vert="horz" wrap="square" lIns="91440" tIns="45720" rIns="91440" bIns="45720" numCol="1" spcCol="0" rtlCol="0" fromWordArt="0" anchor="t" anchorCtr="0" forceAA="0" upright="0" compatLnSpc="0">
+            <a:spAutoFit/>
+          </a:bodyPr>
+          <a:p>
+            <a:pPr algn="ctr">
+              <a:defRPr/>
+            </a:pPr>
+            <a:r>
+              <a:rPr sz="1400"/>
+              <a:t>Layer2</a:t>
+            </a:r>
+            <a:endParaRPr sz="1400"/>
+          </a:p>
+        </p:txBody>
+      </p:sp>
+      <p:cxnSp>
+        <p:nvCxnSpPr>
+          <p:cNvPr id="1037209817" name="" hidden="0"/>
+          <p:cNvCxnSpPr>
+            <a:cxnSpLocks/>
+          </p:cNvCxnSpPr>
+          <p:nvPr isPhoto="0" userDrawn="0"/>
+        </p:nvCxnSpPr>
+        <p:spPr bwMode="auto">
+          <a:xfrm rot="16199934" flipH="1" flipV="1">
+            <a:off x="5251789" y="2992667"/>
+            <a:ext cx="1941568" cy="640820"/>
+          </a:xfrm>
+          <a:prstGeom prst="line">
+            <a:avLst/>
+          </a:prstGeom>
+          <a:ln w="12699" cap="flat" cmpd="sng" algn="ctr">
+            <a:solidFill>
+              <a:schemeClr val="tx1"/>
+            </a:solidFill>
+            <a:prstDash val="solid"/>
+            <a:miter/>
+          </a:ln>
+        </p:spPr>
+        <p:style>
+          <a:lnRef idx="1">
+            <a:schemeClr val="accent1">
+              <a:shade val="50000"/>
+            </a:schemeClr>
+          </a:lnRef>
+          <a:fillRef idx="0">
+            <a:schemeClr val="accent1"/>
+          </a:fillRef>
+          <a:effectRef idx="0">
+            <a:schemeClr val="accent1"/>
+          </a:effectRef>
+          <a:fontRef idx="minor">
+            <a:schemeClr val="tx1"/>
+          </a:fontRef>
+        </p:style>
+      </p:cxnSp>
+    </p:spTree>
+  </p:cSld>
+  <p:clrMapOvr>
+    <a:masterClrMapping/>
+  </p:clrMapOvr>
+  <mc:AlternateContent xmlns:mc="http://schemas.openxmlformats.org/markup-compatibility/2006">
+    <mc:Choice xmlns:p14="http://schemas.microsoft.com/office/powerpoint/2010/main" Requires="p14">
+      <p:transition p14:dur="2000" advClick="1"/>
+    </mc:Choice>
+    <mc:Fallback>
+      <p:transition advClick="1"/>
+    </mc:Fallback>
+  </mc:AlternateContent>
+</p:sld>
+</file>
+
 <file path=ppt/theme/theme1.xml><?xml version="1.0" encoding="utf-8"?>
 <a:theme xmlns:a="http://schemas.openxmlformats.org/drawingml/2006/main" xmlns:r="http://schemas.openxmlformats.org/officeDocument/2006/relationships" xmlns:p="http://schemas.openxmlformats.org/presentationml/2006/main" name="Office Theme">
   <a:themeElements>
